--- a/Python basics/01-Python - Hello world.pptx
+++ b/Python basics/01-Python - Hello world.pptx
@@ -5,42 +5,41 @@
     <p:sldMasterId id="2147483708" r:id="rId1"/>
   </p:sldMasterIdLst>
   <p:notesMasterIdLst>
-    <p:notesMasterId r:id="rId35"/>
+    <p:notesMasterId r:id="rId34"/>
   </p:notesMasterIdLst>
   <p:sldIdLst>
     <p:sldId id="256" r:id="rId2"/>
-    <p:sldId id="259" r:id="rId3"/>
-    <p:sldId id="299" r:id="rId4"/>
-    <p:sldId id="337" r:id="rId5"/>
-    <p:sldId id="413" r:id="rId6"/>
-    <p:sldId id="414" r:id="rId7"/>
-    <p:sldId id="415" r:id="rId8"/>
-    <p:sldId id="416" r:id="rId9"/>
-    <p:sldId id="338" r:id="rId10"/>
-    <p:sldId id="417" r:id="rId11"/>
-    <p:sldId id="418" r:id="rId12"/>
-    <p:sldId id="419" r:id="rId13"/>
-    <p:sldId id="420" r:id="rId14"/>
-    <p:sldId id="293" r:id="rId15"/>
-    <p:sldId id="336" r:id="rId16"/>
-    <p:sldId id="332" r:id="rId17"/>
-    <p:sldId id="394" r:id="rId18"/>
-    <p:sldId id="395" r:id="rId19"/>
-    <p:sldId id="396" r:id="rId20"/>
-    <p:sldId id="397" r:id="rId21"/>
-    <p:sldId id="398" r:id="rId22"/>
-    <p:sldId id="399" r:id="rId23"/>
-    <p:sldId id="400" r:id="rId24"/>
-    <p:sldId id="401" r:id="rId25"/>
-    <p:sldId id="402" r:id="rId26"/>
-    <p:sldId id="403" r:id="rId27"/>
-    <p:sldId id="404" r:id="rId28"/>
-    <p:sldId id="405" r:id="rId29"/>
-    <p:sldId id="406" r:id="rId30"/>
-    <p:sldId id="407" r:id="rId31"/>
-    <p:sldId id="408" r:id="rId32"/>
-    <p:sldId id="409" r:id="rId33"/>
-    <p:sldId id="412" r:id="rId34"/>
+    <p:sldId id="299" r:id="rId3"/>
+    <p:sldId id="337" r:id="rId4"/>
+    <p:sldId id="413" r:id="rId5"/>
+    <p:sldId id="414" r:id="rId6"/>
+    <p:sldId id="415" r:id="rId7"/>
+    <p:sldId id="416" r:id="rId8"/>
+    <p:sldId id="338" r:id="rId9"/>
+    <p:sldId id="417" r:id="rId10"/>
+    <p:sldId id="418" r:id="rId11"/>
+    <p:sldId id="419" r:id="rId12"/>
+    <p:sldId id="420" r:id="rId13"/>
+    <p:sldId id="421" r:id="rId14"/>
+    <p:sldId id="336" r:id="rId15"/>
+    <p:sldId id="332" r:id="rId16"/>
+    <p:sldId id="394" r:id="rId17"/>
+    <p:sldId id="395" r:id="rId18"/>
+    <p:sldId id="396" r:id="rId19"/>
+    <p:sldId id="397" r:id="rId20"/>
+    <p:sldId id="398" r:id="rId21"/>
+    <p:sldId id="399" r:id="rId22"/>
+    <p:sldId id="400" r:id="rId23"/>
+    <p:sldId id="401" r:id="rId24"/>
+    <p:sldId id="402" r:id="rId25"/>
+    <p:sldId id="403" r:id="rId26"/>
+    <p:sldId id="404" r:id="rId27"/>
+    <p:sldId id="405" r:id="rId28"/>
+    <p:sldId id="406" r:id="rId29"/>
+    <p:sldId id="407" r:id="rId30"/>
+    <p:sldId id="408" r:id="rId31"/>
+    <p:sldId id="409" r:id="rId32"/>
+    <p:sldId id="412" r:id="rId33"/>
   </p:sldIdLst>
   <p:sldSz cx="9144000" cy="6858000" type="screen4x3"/>
   <p:notesSz cx="6858000" cy="9144000"/>
@@ -540,7 +539,7 @@
           <a:p>
             <a:fld id="{9597353C-2671-4BBB-AC1F-14988F73AE8E}" type="datetimeFigureOut">
               <a:rPr lang="en-CA" smtClean="0"/>
-              <a:t>2019-09-03</a:t>
+              <a:t>2019-10-16</a:t>
             </a:fld>
             <a:endParaRPr lang="en-CA"/>
           </a:p>
@@ -966,7 +965,7 @@
     </p:spTree>
     <p:extLst>
       <p:ext uri="{BB962C8B-B14F-4D97-AF65-F5344CB8AC3E}">
-        <p14:creationId xmlns:p14="http://schemas.microsoft.com/office/powerpoint/2010/main" val="3941553394"/>
+        <p14:creationId xmlns:p14="http://schemas.microsoft.com/office/powerpoint/2010/main" val="2536548009"/>
       </p:ext>
     </p:extLst>
   </p:cSld>
@@ -1050,7 +1049,7 @@
     </p:spTree>
     <p:extLst>
       <p:ext uri="{BB962C8B-B14F-4D97-AF65-F5344CB8AC3E}">
-        <p14:creationId xmlns:p14="http://schemas.microsoft.com/office/powerpoint/2010/main" val="2536548009"/>
+        <p14:creationId xmlns:p14="http://schemas.microsoft.com/office/powerpoint/2010/main" val="377917805"/>
       </p:ext>
     </p:extLst>
   </p:cSld>
@@ -1134,7 +1133,7 @@
     </p:spTree>
     <p:extLst>
       <p:ext uri="{BB962C8B-B14F-4D97-AF65-F5344CB8AC3E}">
-        <p14:creationId xmlns:p14="http://schemas.microsoft.com/office/powerpoint/2010/main" val="377917805"/>
+        <p14:creationId xmlns:p14="http://schemas.microsoft.com/office/powerpoint/2010/main" val="670666126"/>
       </p:ext>
     </p:extLst>
   </p:cSld>
@@ -1188,7 +1187,7 @@
           <a:bodyPr/>
           <a:lstStyle/>
           <a:p>
-            <a:endParaRPr lang="en-CA"/>
+            <a:endParaRPr lang="en-CA" dirty="0"/>
           </a:p>
         </p:txBody>
       </p:sp>
@@ -1211,14 +1210,14 @@
               <a:rPr lang="en-CA" smtClean="0"/>
               <a:t>13</a:t>
             </a:fld>
-            <a:endParaRPr lang="en-CA"/>
+            <a:endParaRPr lang="en-CA" dirty="0"/>
           </a:p>
         </p:txBody>
       </p:sp>
     </p:spTree>
     <p:extLst>
       <p:ext uri="{BB962C8B-B14F-4D97-AF65-F5344CB8AC3E}">
-        <p14:creationId xmlns:p14="http://schemas.microsoft.com/office/powerpoint/2010/main" val="670666126"/>
+        <p14:creationId xmlns:p14="http://schemas.microsoft.com/office/powerpoint/2010/main" val="3169535866"/>
       </p:ext>
     </p:extLst>
   </p:cSld>
@@ -1302,7 +1301,7 @@
     </p:spTree>
     <p:extLst>
       <p:ext uri="{BB962C8B-B14F-4D97-AF65-F5344CB8AC3E}">
-        <p14:creationId xmlns:p14="http://schemas.microsoft.com/office/powerpoint/2010/main" val="3169535866"/>
+        <p14:creationId xmlns:p14="http://schemas.microsoft.com/office/powerpoint/2010/main" val="762675874"/>
       </p:ext>
     </p:extLst>
   </p:cSld>
@@ -1356,6 +1355,12 @@
           <a:bodyPr/>
           <a:lstStyle/>
           <a:p>
+            <a:r>
+              <a:rPr lang="en-US">
+                <a:hlinkClick r:id="rId3"/>
+              </a:rPr>
+              <a:t>https://www.anaconda.com/distribution/</a:t>
+            </a:r>
             <a:endParaRPr lang="en-CA"/>
           </a:p>
         </p:txBody>
@@ -1386,7 +1391,7 @@
     </p:spTree>
     <p:extLst>
       <p:ext uri="{BB962C8B-B14F-4D97-AF65-F5344CB8AC3E}">
-        <p14:creationId xmlns:p14="http://schemas.microsoft.com/office/powerpoint/2010/main" val="762675874"/>
+        <p14:creationId xmlns:p14="http://schemas.microsoft.com/office/powerpoint/2010/main" val="2123763782"/>
       </p:ext>
     </p:extLst>
   </p:cSld>
@@ -1440,12 +1445,6 @@
           <a:bodyPr/>
           <a:lstStyle/>
           <a:p>
-            <a:r>
-              <a:rPr lang="en-US">
-                <a:hlinkClick r:id="rId3"/>
-              </a:rPr>
-              <a:t>https://www.anaconda.com/distribution/</a:t>
-            </a:r>
             <a:endParaRPr lang="en-CA"/>
           </a:p>
         </p:txBody>
@@ -1476,7 +1475,7 @@
     </p:spTree>
     <p:extLst>
       <p:ext uri="{BB962C8B-B14F-4D97-AF65-F5344CB8AC3E}">
-        <p14:creationId xmlns:p14="http://schemas.microsoft.com/office/powerpoint/2010/main" val="2123763782"/>
+        <p14:creationId xmlns:p14="http://schemas.microsoft.com/office/powerpoint/2010/main" val="3941512354"/>
       </p:ext>
     </p:extLst>
   </p:cSld>
@@ -1560,7 +1559,7 @@
     </p:spTree>
     <p:extLst>
       <p:ext uri="{BB962C8B-B14F-4D97-AF65-F5344CB8AC3E}">
-        <p14:creationId xmlns:p14="http://schemas.microsoft.com/office/powerpoint/2010/main" val="3941512354"/>
+        <p14:creationId xmlns:p14="http://schemas.microsoft.com/office/powerpoint/2010/main" val="1186591577"/>
       </p:ext>
     </p:extLst>
   </p:cSld>
@@ -1644,7 +1643,7 @@
     </p:spTree>
     <p:extLst>
       <p:ext uri="{BB962C8B-B14F-4D97-AF65-F5344CB8AC3E}">
-        <p14:creationId xmlns:p14="http://schemas.microsoft.com/office/powerpoint/2010/main" val="1186591577"/>
+        <p14:creationId xmlns:p14="http://schemas.microsoft.com/office/powerpoint/2010/main" val="1202888303"/>
       </p:ext>
     </p:extLst>
   </p:cSld>
@@ -1728,7 +1727,7 @@
     </p:spTree>
     <p:extLst>
       <p:ext uri="{BB962C8B-B14F-4D97-AF65-F5344CB8AC3E}">
-        <p14:creationId xmlns:p14="http://schemas.microsoft.com/office/powerpoint/2010/main" val="1202888303"/>
+        <p14:creationId xmlns:p14="http://schemas.microsoft.com/office/powerpoint/2010/main" val="814074192"/>
       </p:ext>
     </p:extLst>
   </p:cSld>
@@ -1896,7 +1895,7 @@
     </p:spTree>
     <p:extLst>
       <p:ext uri="{BB962C8B-B14F-4D97-AF65-F5344CB8AC3E}">
-        <p14:creationId xmlns:p14="http://schemas.microsoft.com/office/powerpoint/2010/main" val="814074192"/>
+        <p14:creationId xmlns:p14="http://schemas.microsoft.com/office/powerpoint/2010/main" val="139825193"/>
       </p:ext>
     </p:extLst>
   </p:cSld>
@@ -1980,7 +1979,7 @@
     </p:spTree>
     <p:extLst>
       <p:ext uri="{BB962C8B-B14F-4D97-AF65-F5344CB8AC3E}">
-        <p14:creationId xmlns:p14="http://schemas.microsoft.com/office/powerpoint/2010/main" val="139825193"/>
+        <p14:creationId xmlns:p14="http://schemas.microsoft.com/office/powerpoint/2010/main" val="371579459"/>
       </p:ext>
     </p:extLst>
   </p:cSld>
@@ -2064,7 +2063,7 @@
     </p:spTree>
     <p:extLst>
       <p:ext uri="{BB962C8B-B14F-4D97-AF65-F5344CB8AC3E}">
-        <p14:creationId xmlns:p14="http://schemas.microsoft.com/office/powerpoint/2010/main" val="371579459"/>
+        <p14:creationId xmlns:p14="http://schemas.microsoft.com/office/powerpoint/2010/main" val="2078850233"/>
       </p:ext>
     </p:extLst>
   </p:cSld>
@@ -2148,7 +2147,7 @@
     </p:spTree>
     <p:extLst>
       <p:ext uri="{BB962C8B-B14F-4D97-AF65-F5344CB8AC3E}">
-        <p14:creationId xmlns:p14="http://schemas.microsoft.com/office/powerpoint/2010/main" val="2078850233"/>
+        <p14:creationId xmlns:p14="http://schemas.microsoft.com/office/powerpoint/2010/main" val="3617003025"/>
       </p:ext>
     </p:extLst>
   </p:cSld>
@@ -2232,7 +2231,7 @@
     </p:spTree>
     <p:extLst>
       <p:ext uri="{BB962C8B-B14F-4D97-AF65-F5344CB8AC3E}">
-        <p14:creationId xmlns:p14="http://schemas.microsoft.com/office/powerpoint/2010/main" val="3617003025"/>
+        <p14:creationId xmlns:p14="http://schemas.microsoft.com/office/powerpoint/2010/main" val="236416824"/>
       </p:ext>
     </p:extLst>
   </p:cSld>
@@ -2316,7 +2315,7 @@
     </p:spTree>
     <p:extLst>
       <p:ext uri="{BB962C8B-B14F-4D97-AF65-F5344CB8AC3E}">
-        <p14:creationId xmlns:p14="http://schemas.microsoft.com/office/powerpoint/2010/main" val="236416824"/>
+        <p14:creationId xmlns:p14="http://schemas.microsoft.com/office/powerpoint/2010/main" val="1598742062"/>
       </p:ext>
     </p:extLst>
   </p:cSld>
@@ -2400,7 +2399,7 @@
     </p:spTree>
     <p:extLst>
       <p:ext uri="{BB962C8B-B14F-4D97-AF65-F5344CB8AC3E}">
-        <p14:creationId xmlns:p14="http://schemas.microsoft.com/office/powerpoint/2010/main" val="1598742062"/>
+        <p14:creationId xmlns:p14="http://schemas.microsoft.com/office/powerpoint/2010/main" val="1872002109"/>
       </p:ext>
     </p:extLst>
   </p:cSld>
@@ -2484,7 +2483,7 @@
     </p:spTree>
     <p:extLst>
       <p:ext uri="{BB962C8B-B14F-4D97-AF65-F5344CB8AC3E}">
-        <p14:creationId xmlns:p14="http://schemas.microsoft.com/office/powerpoint/2010/main" val="1872002109"/>
+        <p14:creationId xmlns:p14="http://schemas.microsoft.com/office/powerpoint/2010/main" val="881864516"/>
       </p:ext>
     </p:extLst>
   </p:cSld>
@@ -2538,6 +2537,12 @@
           <a:bodyPr/>
           <a:lstStyle/>
           <a:p>
+            <a:r>
+              <a:rPr lang="en-US">
+                <a:hlinkClick r:id="rId3"/>
+              </a:rPr>
+              <a:t>https://docs.anaconda.com/anaconda/user-guide/getting-started/</a:t>
+            </a:r>
             <a:endParaRPr lang="en-CA"/>
           </a:p>
         </p:txBody>
@@ -2568,7 +2573,7 @@
     </p:spTree>
     <p:extLst>
       <p:ext uri="{BB962C8B-B14F-4D97-AF65-F5344CB8AC3E}">
-        <p14:creationId xmlns:p14="http://schemas.microsoft.com/office/powerpoint/2010/main" val="881864516"/>
+        <p14:creationId xmlns:p14="http://schemas.microsoft.com/office/powerpoint/2010/main" val="3634421512"/>
       </p:ext>
     </p:extLst>
   </p:cSld>
@@ -2626,7 +2631,7 @@
               <a:rPr lang="en-US">
                 <a:hlinkClick r:id="rId3"/>
               </a:rPr>
-              <a:t>https://docs.anaconda.com/anaconda/user-guide/getting-started/</a:t>
+              <a:t>https://anaconda.org/</a:t>
             </a:r>
             <a:endParaRPr lang="en-CA"/>
           </a:p>
@@ -2658,7 +2663,7 @@
     </p:spTree>
     <p:extLst>
       <p:ext uri="{BB962C8B-B14F-4D97-AF65-F5344CB8AC3E}">
-        <p14:creationId xmlns:p14="http://schemas.microsoft.com/office/powerpoint/2010/main" val="3634421512"/>
+        <p14:creationId xmlns:p14="http://schemas.microsoft.com/office/powerpoint/2010/main" val="4197062615"/>
       </p:ext>
     </p:extLst>
   </p:cSld>
@@ -2742,7 +2747,7 @@
     </p:spTree>
     <p:extLst>
       <p:ext uri="{BB962C8B-B14F-4D97-AF65-F5344CB8AC3E}">
-        <p14:creationId xmlns:p14="http://schemas.microsoft.com/office/powerpoint/2010/main" val="3169535866"/>
+        <p14:creationId xmlns:p14="http://schemas.microsoft.com/office/powerpoint/2010/main" val="147361386"/>
       </p:ext>
     </p:extLst>
   </p:cSld>
@@ -2832,7 +2837,7 @@
     </p:spTree>
     <p:extLst>
       <p:ext uri="{BB962C8B-B14F-4D97-AF65-F5344CB8AC3E}">
-        <p14:creationId xmlns:p14="http://schemas.microsoft.com/office/powerpoint/2010/main" val="4197062615"/>
+        <p14:creationId xmlns:p14="http://schemas.microsoft.com/office/powerpoint/2010/main" val="346288488"/>
       </p:ext>
     </p:extLst>
   </p:cSld>
@@ -2886,12 +2891,6 @@
           <a:bodyPr/>
           <a:lstStyle/>
           <a:p>
-            <a:r>
-              <a:rPr lang="en-US">
-                <a:hlinkClick r:id="rId3"/>
-              </a:rPr>
-              <a:t>https://anaconda.org/</a:t>
-            </a:r>
             <a:endParaRPr lang="en-CA"/>
           </a:p>
         </p:txBody>
@@ -2922,7 +2921,7 @@
     </p:spTree>
     <p:extLst>
       <p:ext uri="{BB962C8B-B14F-4D97-AF65-F5344CB8AC3E}">
-        <p14:creationId xmlns:p14="http://schemas.microsoft.com/office/powerpoint/2010/main" val="346288488"/>
+        <p14:creationId xmlns:p14="http://schemas.microsoft.com/office/powerpoint/2010/main" val="699142246"/>
       </p:ext>
     </p:extLst>
   </p:cSld>
@@ -2998,90 +2997,6 @@
             <a:fld id="{0B373B56-4DF1-44DF-8B15-FD0EB1A1F614}" type="slidenum">
               <a:rPr lang="en-CA" smtClean="0"/>
               <a:t>32</a:t>
-            </a:fld>
-            <a:endParaRPr lang="en-CA"/>
-          </a:p>
-        </p:txBody>
-      </p:sp>
-    </p:spTree>
-    <p:extLst>
-      <p:ext uri="{BB962C8B-B14F-4D97-AF65-F5344CB8AC3E}">
-        <p14:creationId xmlns:p14="http://schemas.microsoft.com/office/powerpoint/2010/main" val="699142246"/>
-      </p:ext>
-    </p:extLst>
-  </p:cSld>
-  <p:clrMapOvr>
-    <a:masterClrMapping/>
-  </p:clrMapOvr>
-</p:notes>
-</file>
-
-<file path=ppt/notesSlides/notesSlide33.xml><?xml version="1.0" encoding="utf-8"?>
-<p:notes xmlns:a="http://schemas.openxmlformats.org/drawingml/2006/main" xmlns:r="http://schemas.openxmlformats.org/officeDocument/2006/relationships" xmlns:p="http://schemas.openxmlformats.org/presentationml/2006/main">
-  <p:cSld>
-    <p:spTree>
-      <p:nvGrpSpPr>
-        <p:cNvPr id="1" name=""/>
-        <p:cNvGrpSpPr/>
-        <p:nvPr/>
-      </p:nvGrpSpPr>
-      <p:grpSpPr>
-        <a:xfrm>
-          <a:off x="0" y="0"/>
-          <a:ext cx="0" cy="0"/>
-          <a:chOff x="0" y="0"/>
-          <a:chExt cx="0" cy="0"/>
-        </a:xfrm>
-      </p:grpSpPr>
-      <p:sp>
-        <p:nvSpPr>
-          <p:cNvPr id="2" name="Slide Image Placeholder 1"/>
-          <p:cNvSpPr>
-            <a:spLocks noGrp="1" noRot="1" noChangeAspect="1"/>
-          </p:cNvSpPr>
-          <p:nvPr>
-            <p:ph type="sldImg"/>
-          </p:nvPr>
-        </p:nvSpPr>
-        <p:spPr/>
-      </p:sp>
-      <p:sp>
-        <p:nvSpPr>
-          <p:cNvPr id="3" name="Notes Placeholder 2"/>
-          <p:cNvSpPr>
-            <a:spLocks noGrp="1"/>
-          </p:cNvSpPr>
-          <p:nvPr>
-            <p:ph type="body" idx="1"/>
-          </p:nvPr>
-        </p:nvSpPr>
-        <p:spPr/>
-        <p:txBody>
-          <a:bodyPr/>
-          <a:lstStyle/>
-          <a:p>
-            <a:endParaRPr lang="en-CA"/>
-          </a:p>
-        </p:txBody>
-      </p:sp>
-      <p:sp>
-        <p:nvSpPr>
-          <p:cNvPr id="4" name="Slide Number Placeholder 3"/>
-          <p:cNvSpPr>
-            <a:spLocks noGrp="1"/>
-          </p:cNvSpPr>
-          <p:nvPr>
-            <p:ph type="sldNum" sz="quarter" idx="10"/>
-          </p:nvPr>
-        </p:nvSpPr>
-        <p:spPr/>
-        <p:txBody>
-          <a:bodyPr/>
-          <a:lstStyle/>
-          <a:p>
-            <a:fld id="{0B373B56-4DF1-44DF-8B15-FD0EB1A1F614}" type="slidenum">
-              <a:rPr lang="en-CA" smtClean="0"/>
-              <a:t>33</a:t>
             </a:fld>
             <a:endParaRPr lang="en-CA"/>
           </a:p>
@@ -3174,7 +3089,7 @@
     </p:spTree>
     <p:extLst>
       <p:ext uri="{BB962C8B-B14F-4D97-AF65-F5344CB8AC3E}">
-        <p14:creationId xmlns:p14="http://schemas.microsoft.com/office/powerpoint/2010/main" val="147361386"/>
+        <p14:creationId xmlns:p14="http://schemas.microsoft.com/office/powerpoint/2010/main" val="2832236222"/>
       </p:ext>
     </p:extLst>
   </p:cSld>
@@ -3258,7 +3173,7 @@
     </p:spTree>
     <p:extLst>
       <p:ext uri="{BB962C8B-B14F-4D97-AF65-F5344CB8AC3E}">
-        <p14:creationId xmlns:p14="http://schemas.microsoft.com/office/powerpoint/2010/main" val="2832236222"/>
+        <p14:creationId xmlns:p14="http://schemas.microsoft.com/office/powerpoint/2010/main" val="2376812766"/>
       </p:ext>
     </p:extLst>
   </p:cSld>
@@ -3342,7 +3257,7 @@
     </p:spTree>
     <p:extLst>
       <p:ext uri="{BB962C8B-B14F-4D97-AF65-F5344CB8AC3E}">
-        <p14:creationId xmlns:p14="http://schemas.microsoft.com/office/powerpoint/2010/main" val="2376812766"/>
+        <p14:creationId xmlns:p14="http://schemas.microsoft.com/office/powerpoint/2010/main" val="3991021115"/>
       </p:ext>
     </p:extLst>
   </p:cSld>
@@ -3426,7 +3341,7 @@
     </p:spTree>
     <p:extLst>
       <p:ext uri="{BB962C8B-B14F-4D97-AF65-F5344CB8AC3E}">
-        <p14:creationId xmlns:p14="http://schemas.microsoft.com/office/powerpoint/2010/main" val="3991021115"/>
+        <p14:creationId xmlns:p14="http://schemas.microsoft.com/office/powerpoint/2010/main" val="1094112893"/>
       </p:ext>
     </p:extLst>
   </p:cSld>
@@ -3510,7 +3425,7 @@
     </p:spTree>
     <p:extLst>
       <p:ext uri="{BB962C8B-B14F-4D97-AF65-F5344CB8AC3E}">
-        <p14:creationId xmlns:p14="http://schemas.microsoft.com/office/powerpoint/2010/main" val="1094112893"/>
+        <p14:creationId xmlns:p14="http://schemas.microsoft.com/office/powerpoint/2010/main" val="3471533262"/>
       </p:ext>
     </p:extLst>
   </p:cSld>
@@ -3594,7 +3509,7 @@
     </p:spTree>
     <p:extLst>
       <p:ext uri="{BB962C8B-B14F-4D97-AF65-F5344CB8AC3E}">
-        <p14:creationId xmlns:p14="http://schemas.microsoft.com/office/powerpoint/2010/main" val="3471533262"/>
+        <p14:creationId xmlns:p14="http://schemas.microsoft.com/office/powerpoint/2010/main" val="3941553394"/>
       </p:ext>
     </p:extLst>
   </p:cSld>
@@ -3785,7 +3700,7 @@
           <a:p>
             <a:fld id="{07662873-44EE-4748-ADB0-0E8B8F7F1F96}" type="datetime1">
               <a:rPr lang="en-US" smtClean="0"/>
-              <a:t>2019-09-03</a:t>
+              <a:t>10/16/2019</a:t>
             </a:fld>
             <a:endParaRPr lang="en-US"/>
           </a:p>
@@ -3956,7 +3871,7 @@
           <a:p>
             <a:fld id="{C3756023-925C-4F2B-B6B3-9EB3E5E0D7A4}" type="datetime1">
               <a:rPr lang="en-US" smtClean="0"/>
-              <a:t>2019-09-03</a:t>
+              <a:t>10/16/2019</a:t>
             </a:fld>
             <a:endParaRPr lang="en-US"/>
           </a:p>
@@ -4137,7 +4052,7 @@
           <a:p>
             <a:fld id="{7E0411BD-1278-456A-889F-57EF6CDD3B56}" type="datetime1">
               <a:rPr lang="en-US" smtClean="0"/>
-              <a:t>2019-09-03</a:t>
+              <a:t>10/16/2019</a:t>
             </a:fld>
             <a:endParaRPr lang="en-US"/>
           </a:p>
@@ -4308,7 +4223,7 @@
           <a:p>
             <a:fld id="{8AA5CEDD-260B-4470-B2E2-F5757872A802}" type="datetime1">
               <a:rPr lang="en-US" smtClean="0"/>
-              <a:t>2019-09-03</a:t>
+              <a:t>10/16/2019</a:t>
             </a:fld>
             <a:endParaRPr lang="en-US"/>
           </a:p>
@@ -4555,7 +4470,7 @@
           <a:p>
             <a:fld id="{14A5764D-D429-4A9D-A9CE-4503B4B062C2}" type="datetime1">
               <a:rPr lang="en-US" smtClean="0"/>
-              <a:t>2019-09-03</a:t>
+              <a:t>10/16/2019</a:t>
             </a:fld>
             <a:endParaRPr lang="en-US"/>
           </a:p>
@@ -4844,7 +4759,7 @@
           <a:p>
             <a:fld id="{8DA9EC38-DF51-4692-B41E-04BF8B29FFDF}" type="datetime1">
               <a:rPr lang="en-US" smtClean="0"/>
-              <a:t>2019-09-03</a:t>
+              <a:t>10/16/2019</a:t>
             </a:fld>
             <a:endParaRPr lang="en-US"/>
           </a:p>
@@ -5267,7 +5182,7 @@
           <a:p>
             <a:fld id="{44D220BA-6F8B-4170-AF9A-B0054695113B}" type="datetime1">
               <a:rPr lang="en-US" smtClean="0"/>
-              <a:t>2019-09-03</a:t>
+              <a:t>10/16/2019</a:t>
             </a:fld>
             <a:endParaRPr lang="en-US"/>
           </a:p>
@@ -5386,7 +5301,7 @@
           <a:p>
             <a:fld id="{A46FC9B1-C4F2-482F-B490-D8102A4BA46F}" type="datetime1">
               <a:rPr lang="en-US" smtClean="0"/>
-              <a:t>2019-09-03</a:t>
+              <a:t>10/16/2019</a:t>
             </a:fld>
             <a:endParaRPr lang="en-US"/>
           </a:p>
@@ -5482,7 +5397,7 @@
           <a:p>
             <a:fld id="{78BBEA3A-88FF-4003-915F-34166F7D514F}" type="datetime1">
               <a:rPr lang="en-US" smtClean="0"/>
-              <a:t>2019-09-03</a:t>
+              <a:t>10/16/2019</a:t>
             </a:fld>
             <a:endParaRPr lang="en-US"/>
           </a:p>
@@ -5760,7 +5675,7 @@
           <a:p>
             <a:fld id="{1CA9225C-1891-479F-96F5-008AF0986058}" type="datetime1">
               <a:rPr lang="en-US" smtClean="0"/>
-              <a:t>2019-09-03</a:t>
+              <a:t>10/16/2019</a:t>
             </a:fld>
             <a:endParaRPr lang="en-US"/>
           </a:p>
@@ -6014,7 +5929,7 @@
           <a:p>
             <a:fld id="{FAD03492-B204-4631-A5EC-09826AAEC9BD}" type="datetime1">
               <a:rPr lang="en-US" smtClean="0"/>
-              <a:t>2019-09-03</a:t>
+              <a:t>10/16/2019</a:t>
             </a:fld>
             <a:endParaRPr lang="en-US"/>
           </a:p>
@@ -6228,7 +6143,7 @@
           <a:p>
             <a:fld id="{40458046-1F56-46DB-A2AE-6A3D272F41AC}" type="datetime1">
               <a:rPr lang="en-US" smtClean="0"/>
-              <a:t>2019-09-03</a:t>
+              <a:t>10/16/2019</a:t>
             </a:fld>
             <a:endParaRPr lang="en-US"/>
           </a:p>
@@ -6922,32 +6837,26 @@
           <a:p>
             <a:r>
               <a:rPr lang="en-US" sz="4000" b="1"/>
-              <a:t>Anaconda Navigator </a:t>
-            </a:r>
-            <a:r>
-              <a:rPr lang="en-US" sz="4000" b="1">
-                <a:sym typeface="Wingdings" panose="05000000000000000000" pitchFamily="2" charset="2"/>
-              </a:rPr>
-              <a:t></a:t>
-            </a:r>
-            <a:r>
-              <a:rPr lang="en-US" sz="4000" b="1"/>
-              <a:t> </a:t>
+              <a:t>New </a:t>
             </a:r>
             <a:r>
               <a:rPr lang="en-US" sz="4000" b="1" err="1"/>
               <a:t>Jupyter</a:t>
             </a:r>
+            <a:r>
+              <a:rPr lang="en-US" sz="4000" b="1"/>
+              <a:t> Notebook</a:t>
+            </a:r>
             <a:endParaRPr lang="en-US" sz="2800" b="1"/>
           </a:p>
         </p:txBody>
       </p:sp>
       <p:pic>
         <p:nvPicPr>
-          <p:cNvPr id="4" name="Picture 3" descr="A screenshot of a cell phone&#10;&#10;Description automatically generated">
+          <p:cNvPr id="7" name="Picture 6" descr="A screenshot of a computer screen&#10;&#10;Description automatically generated">
             <a:extLst>
               <a:ext uri="{FF2B5EF4-FFF2-40B4-BE49-F238E27FC236}">
-                <a16:creationId xmlns:a16="http://schemas.microsoft.com/office/drawing/2014/main" id="{F179FACB-887E-4519-9EE6-CBCF0552A919}"/>
+                <a16:creationId xmlns:a16="http://schemas.microsoft.com/office/drawing/2014/main" id="{CC74F0CF-5604-4589-AD88-55A9EC20682E}"/>
               </a:ext>
             </a:extLst>
           </p:cNvPr>
@@ -6970,8 +6879,8 @@
         </p:blipFill>
         <p:spPr>
           <a:xfrm>
-            <a:off x="550372" y="1613932"/>
-            <a:ext cx="8119455" cy="4261822"/>
+            <a:off x="1066800" y="2115979"/>
+            <a:ext cx="7361435" cy="4138786"/>
           </a:xfrm>
           <a:prstGeom prst="rect">
             <a:avLst/>
@@ -6983,7 +6892,7 @@
           <p:cNvPr id="5" name="Arrow: Right 4">
             <a:extLst>
               <a:ext uri="{FF2B5EF4-FFF2-40B4-BE49-F238E27FC236}">
-                <a16:creationId xmlns:a16="http://schemas.microsoft.com/office/drawing/2014/main" id="{B504DDAF-D1EC-4011-A7A8-02982900BD44}"/>
+                <a16:creationId xmlns:a16="http://schemas.microsoft.com/office/drawing/2014/main" id="{476E037C-8EB2-4803-ABB2-91689A055E6F}"/>
               </a:ext>
             </a:extLst>
           </p:cNvPr>
@@ -6992,7 +6901,7 @@
         </p:nvSpPr>
         <p:spPr>
           <a:xfrm>
-            <a:off x="3609975" y="3952875"/>
+            <a:off x="6248400" y="2971800"/>
             <a:ext cx="381000" cy="584200"/>
           </a:xfrm>
           <a:prstGeom prst="rightArrow">
@@ -7024,10 +6933,44 @@
           </a:p>
         </p:txBody>
       </p:sp>
+      <p:sp>
+        <p:nvSpPr>
+          <p:cNvPr id="8" name="Rectangle 7">
+            <a:extLst>
+              <a:ext uri="{FF2B5EF4-FFF2-40B4-BE49-F238E27FC236}">
+                <a16:creationId xmlns:a16="http://schemas.microsoft.com/office/drawing/2014/main" id="{633EA831-8A9A-47A6-AB9F-55ACDFDCE362}"/>
+              </a:ext>
+            </a:extLst>
+          </p:cNvPr>
+          <p:cNvSpPr/>
+          <p:nvPr/>
+        </p:nvSpPr>
+        <p:spPr>
+          <a:xfrm>
+            <a:off x="430763" y="1447800"/>
+            <a:ext cx="8305800" cy="461665"/>
+          </a:xfrm>
+          <a:prstGeom prst="rect">
+            <a:avLst/>
+          </a:prstGeom>
+        </p:spPr>
+        <p:txBody>
+          <a:bodyPr wrap="square">
+            <a:spAutoFit/>
+          </a:bodyPr>
+          <a:lstStyle/>
+          <a:p>
+            <a:r>
+              <a:rPr lang="en-US" sz="2400"/>
+              <a:t>Let’s create our first “Hello World” program…</a:t>
+            </a:r>
+          </a:p>
+        </p:txBody>
+      </p:sp>
     </p:spTree>
     <p:extLst>
       <p:ext uri="{BB962C8B-B14F-4D97-AF65-F5344CB8AC3E}">
-        <p14:creationId xmlns:p14="http://schemas.microsoft.com/office/powerpoint/2010/main" val="3626300101"/>
+        <p14:creationId xmlns:p14="http://schemas.microsoft.com/office/powerpoint/2010/main" val="2990443178"/>
       </p:ext>
     </p:extLst>
   </p:cSld>
@@ -7118,15 +7061,7 @@
           <a:p>
             <a:r>
               <a:rPr lang="en-US" sz="4000" b="1"/>
-              <a:t>New </a:t>
-            </a:r>
-            <a:r>
-              <a:rPr lang="en-US" sz="4000" b="1" err="1"/>
-              <a:t>Jupyter</a:t>
-            </a:r>
-            <a:r>
-              <a:rPr lang="en-US" sz="4000" b="1"/>
-              <a:t> Notebook</a:t>
+              <a:t>Running our first code</a:t>
             </a:r>
             <a:endParaRPr lang="en-US" sz="2800" b="1"/>
           </a:p>
@@ -7134,10 +7069,10 @@
       </p:sp>
       <p:pic>
         <p:nvPicPr>
-          <p:cNvPr id="7" name="Picture 6" descr="A screenshot of a computer screen&#10;&#10;Description automatically generated">
+          <p:cNvPr id="5" name="Picture 4" descr="A screenshot of a social media post&#10;&#10;Description automatically generated">
             <a:extLst>
               <a:ext uri="{FF2B5EF4-FFF2-40B4-BE49-F238E27FC236}">
-                <a16:creationId xmlns:a16="http://schemas.microsoft.com/office/drawing/2014/main" id="{CC74F0CF-5604-4589-AD88-55A9EC20682E}"/>
+                <a16:creationId xmlns:a16="http://schemas.microsoft.com/office/drawing/2014/main" id="{E088AA0E-C6CF-4CF2-BE5D-9E55BE3D3E02}"/>
               </a:ext>
             </a:extLst>
           </p:cNvPr>
@@ -7160,8 +7095,8 @@
         </p:blipFill>
         <p:spPr>
           <a:xfrm>
-            <a:off x="1066800" y="2115979"/>
-            <a:ext cx="7361435" cy="4138786"/>
+            <a:off x="914401" y="2115979"/>
+            <a:ext cx="7315198" cy="4017794"/>
           </a:xfrm>
           <a:prstGeom prst="rect">
             <a:avLst/>
@@ -7170,10 +7105,10 @@
       </p:pic>
       <p:sp>
         <p:nvSpPr>
-          <p:cNvPr id="5" name="Arrow: Right 4">
+          <p:cNvPr id="7" name="Rectangle 6">
             <a:extLst>
               <a:ext uri="{FF2B5EF4-FFF2-40B4-BE49-F238E27FC236}">
-                <a16:creationId xmlns:a16="http://schemas.microsoft.com/office/drawing/2014/main" id="{476E037C-8EB2-4803-ABB2-91689A055E6F}"/>
+                <a16:creationId xmlns:a16="http://schemas.microsoft.com/office/drawing/2014/main" id="{691B046E-AE0D-4B60-894A-9EEBB89DB1E3}"/>
               </a:ext>
             </a:extLst>
           </p:cNvPr>
@@ -7182,52 +7117,6 @@
         </p:nvSpPr>
         <p:spPr>
           <a:xfrm>
-            <a:off x="6248400" y="2971800"/>
-            <a:ext cx="381000" cy="584200"/>
-          </a:xfrm>
-          <a:prstGeom prst="rightArrow">
-            <a:avLst/>
-          </a:prstGeom>
-        </p:spPr>
-        <p:style>
-          <a:lnRef idx="2">
-            <a:schemeClr val="accent6">
-              <a:shade val="50000"/>
-            </a:schemeClr>
-          </a:lnRef>
-          <a:fillRef idx="1">
-            <a:schemeClr val="accent6"/>
-          </a:fillRef>
-          <a:effectRef idx="0">
-            <a:schemeClr val="accent6"/>
-          </a:effectRef>
-          <a:fontRef idx="minor">
-            <a:schemeClr val="lt1"/>
-          </a:fontRef>
-        </p:style>
-        <p:txBody>
-          <a:bodyPr rtlCol="0" anchor="ctr"/>
-          <a:lstStyle/>
-          <a:p>
-            <a:pPr algn="ctr"/>
-            <a:endParaRPr lang="en-US" sz="1600"/>
-          </a:p>
-        </p:txBody>
-      </p:sp>
-      <p:sp>
-        <p:nvSpPr>
-          <p:cNvPr id="8" name="Rectangle 7">
-            <a:extLst>
-              <a:ext uri="{FF2B5EF4-FFF2-40B4-BE49-F238E27FC236}">
-                <a16:creationId xmlns:a16="http://schemas.microsoft.com/office/drawing/2014/main" id="{633EA831-8A9A-47A6-AB9F-55ACDFDCE362}"/>
-              </a:ext>
-            </a:extLst>
-          </p:cNvPr>
-          <p:cNvSpPr/>
-          <p:nvPr/>
-        </p:nvSpPr>
-        <p:spPr>
-          <a:xfrm>
             <a:off x="430763" y="1447800"/>
             <a:ext cx="8305800" cy="461665"/>
           </a:xfrm>
@@ -7243,7 +7132,7 @@
           <a:p>
             <a:r>
               <a:rPr lang="en-US" sz="2400"/>
-              <a:t>Let’s create our first “Hello World” program…</a:t>
+              <a:t>As simple as this… :)</a:t>
             </a:r>
           </a:p>
         </p:txBody>
@@ -7251,7 +7140,7 @@
     </p:spTree>
     <p:extLst>
       <p:ext uri="{BB962C8B-B14F-4D97-AF65-F5344CB8AC3E}">
-        <p14:creationId xmlns:p14="http://schemas.microsoft.com/office/powerpoint/2010/main" val="2990443178"/>
+        <p14:creationId xmlns:p14="http://schemas.microsoft.com/office/powerpoint/2010/main" val="1261985537"/>
       </p:ext>
     </p:extLst>
   </p:cSld>
@@ -7314,176 +7203,6 @@
               <a:rPr lang="en-US" sz="2400" smtClean="0"/>
               <a:pPr/>
               <a:t>12</a:t>
-            </a:fld>
-            <a:endParaRPr lang="en-US" sz="2400"/>
-          </a:p>
-        </p:txBody>
-      </p:sp>
-      <p:sp>
-        <p:nvSpPr>
-          <p:cNvPr id="19" name="Rectangle 18"/>
-          <p:cNvSpPr/>
-          <p:nvPr/>
-        </p:nvSpPr>
-        <p:spPr>
-          <a:xfrm>
-            <a:off x="457200" y="533400"/>
-            <a:ext cx="8305800" cy="707886"/>
-          </a:xfrm>
-          <a:prstGeom prst="rect">
-            <a:avLst/>
-          </a:prstGeom>
-        </p:spPr>
-        <p:txBody>
-          <a:bodyPr wrap="square">
-            <a:spAutoFit/>
-          </a:bodyPr>
-          <a:lstStyle/>
-          <a:p>
-            <a:r>
-              <a:rPr lang="en-US" sz="4000" b="1"/>
-              <a:t>Running our first code</a:t>
-            </a:r>
-            <a:endParaRPr lang="en-US" sz="2800" b="1"/>
-          </a:p>
-        </p:txBody>
-      </p:sp>
-      <p:pic>
-        <p:nvPicPr>
-          <p:cNvPr id="5" name="Picture 4" descr="A screenshot of a social media post&#10;&#10;Description automatically generated">
-            <a:extLst>
-              <a:ext uri="{FF2B5EF4-FFF2-40B4-BE49-F238E27FC236}">
-                <a16:creationId xmlns:a16="http://schemas.microsoft.com/office/drawing/2014/main" id="{E088AA0E-C6CF-4CF2-BE5D-9E55BE3D3E02}"/>
-              </a:ext>
-            </a:extLst>
-          </p:cNvPr>
-          <p:cNvPicPr>
-            <a:picLocks noChangeAspect="1"/>
-          </p:cNvPicPr>
-          <p:nvPr/>
-        </p:nvPicPr>
-        <p:blipFill>
-          <a:blip r:embed="rId3">
-            <a:extLst>
-              <a:ext uri="{28A0092B-C50C-407E-A947-70E740481C1C}">
-                <a14:useLocalDpi xmlns:a14="http://schemas.microsoft.com/office/drawing/2010/main" val="0"/>
-              </a:ext>
-            </a:extLst>
-          </a:blip>
-          <a:stretch>
-            <a:fillRect/>
-          </a:stretch>
-        </p:blipFill>
-        <p:spPr>
-          <a:xfrm>
-            <a:off x="914401" y="2115979"/>
-            <a:ext cx="7315198" cy="4017794"/>
-          </a:xfrm>
-          <a:prstGeom prst="rect">
-            <a:avLst/>
-          </a:prstGeom>
-        </p:spPr>
-      </p:pic>
-      <p:sp>
-        <p:nvSpPr>
-          <p:cNvPr id="7" name="Rectangle 6">
-            <a:extLst>
-              <a:ext uri="{FF2B5EF4-FFF2-40B4-BE49-F238E27FC236}">
-                <a16:creationId xmlns:a16="http://schemas.microsoft.com/office/drawing/2014/main" id="{691B046E-AE0D-4B60-894A-9EEBB89DB1E3}"/>
-              </a:ext>
-            </a:extLst>
-          </p:cNvPr>
-          <p:cNvSpPr/>
-          <p:nvPr/>
-        </p:nvSpPr>
-        <p:spPr>
-          <a:xfrm>
-            <a:off x="430763" y="1447800"/>
-            <a:ext cx="8305800" cy="461665"/>
-          </a:xfrm>
-          <a:prstGeom prst="rect">
-            <a:avLst/>
-          </a:prstGeom>
-        </p:spPr>
-        <p:txBody>
-          <a:bodyPr wrap="square">
-            <a:spAutoFit/>
-          </a:bodyPr>
-          <a:lstStyle/>
-          <a:p>
-            <a:r>
-              <a:rPr lang="en-US" sz="2400"/>
-              <a:t>As simple as this… :)</a:t>
-            </a:r>
-          </a:p>
-        </p:txBody>
-      </p:sp>
-    </p:spTree>
-    <p:extLst>
-      <p:ext uri="{BB962C8B-B14F-4D97-AF65-F5344CB8AC3E}">
-        <p14:creationId xmlns:p14="http://schemas.microsoft.com/office/powerpoint/2010/main" val="1261985537"/>
-      </p:ext>
-    </p:extLst>
-  </p:cSld>
-  <p:clrMapOvr>
-    <a:masterClrMapping/>
-  </p:clrMapOvr>
-  <mc:AlternateContent xmlns:mc="http://schemas.openxmlformats.org/markup-compatibility/2006" xmlns:p14="http://schemas.microsoft.com/office/powerpoint/2010/main">
-    <mc:Choice Requires="p14">
-      <p:transition spd="med" p14:dur="700">
-        <p:fade/>
-      </p:transition>
-    </mc:Choice>
-    <mc:Fallback xmlns="">
-      <p:transition spd="med">
-        <p:fade/>
-      </p:transition>
-    </mc:Fallback>
-  </mc:AlternateContent>
-</p:sld>
-</file>
-
-<file path=ppt/slides/slide13.xml><?xml version="1.0" encoding="utf-8"?>
-<p:sld xmlns:a="http://schemas.openxmlformats.org/drawingml/2006/main" xmlns:r="http://schemas.openxmlformats.org/officeDocument/2006/relationships" xmlns:p="http://schemas.openxmlformats.org/presentationml/2006/main">
-  <p:cSld>
-    <p:spTree>
-      <p:nvGrpSpPr>
-        <p:cNvPr id="1" name=""/>
-        <p:cNvGrpSpPr/>
-        <p:nvPr/>
-      </p:nvGrpSpPr>
-      <p:grpSpPr>
-        <a:xfrm>
-          <a:off x="0" y="0"/>
-          <a:ext cx="0" cy="0"/>
-          <a:chOff x="0" y="0"/>
-          <a:chExt cx="0" cy="0"/>
-        </a:xfrm>
-      </p:grpSpPr>
-      <p:sp>
-        <p:nvSpPr>
-          <p:cNvPr id="6" name="Slide Number Placeholder 8"/>
-          <p:cNvSpPr>
-            <a:spLocks noGrp="1"/>
-          </p:cNvSpPr>
-          <p:nvPr>
-            <p:ph type="sldNum" sz="quarter" idx="12"/>
-          </p:nvPr>
-        </p:nvSpPr>
-        <p:spPr>
-          <a:xfrm rot="16200000">
-            <a:off x="8496302" y="6362700"/>
-            <a:ext cx="609599" cy="381001"/>
-          </a:xfrm>
-        </p:spPr>
-        <p:txBody>
-          <a:bodyPr/>
-          <a:lstStyle/>
-          <a:p>
-            <a:fld id="{B6F15528-21DE-4FAA-801E-634DDDAF4B2B}" type="slidenum">
-              <a:rPr lang="en-US" sz="2400" smtClean="0"/>
-              <a:pPr/>
-              <a:t>13</a:t>
             </a:fld>
             <a:endParaRPr lang="en-US" sz="2400"/>
           </a:p>
@@ -7719,6 +7438,243 @@
 </p:sld>
 </file>
 
+<file path=ppt/slides/slide13.xml><?xml version="1.0" encoding="utf-8"?>
+<p:sld xmlns:a="http://schemas.openxmlformats.org/drawingml/2006/main" xmlns:r="http://schemas.openxmlformats.org/officeDocument/2006/relationships" xmlns:p="http://schemas.openxmlformats.org/presentationml/2006/main">
+  <p:cSld>
+    <p:spTree>
+      <p:nvGrpSpPr>
+        <p:cNvPr id="1" name=""/>
+        <p:cNvGrpSpPr/>
+        <p:nvPr/>
+      </p:nvGrpSpPr>
+      <p:grpSpPr>
+        <a:xfrm>
+          <a:off x="0" y="0"/>
+          <a:ext cx="0" cy="0"/>
+          <a:chOff x="0" y="0"/>
+          <a:chExt cx="0" cy="0"/>
+        </a:xfrm>
+      </p:grpSpPr>
+      <p:sp>
+        <p:nvSpPr>
+          <p:cNvPr id="6" name="Slide Number Placeholder 8"/>
+          <p:cNvSpPr>
+            <a:spLocks noGrp="1"/>
+          </p:cNvSpPr>
+          <p:nvPr>
+            <p:ph type="sldNum" sz="quarter" idx="12"/>
+          </p:nvPr>
+        </p:nvSpPr>
+        <p:spPr>
+          <a:xfrm rot="16200000">
+            <a:off x="8496302" y="6362700"/>
+            <a:ext cx="609599" cy="381001"/>
+          </a:xfrm>
+        </p:spPr>
+        <p:txBody>
+          <a:bodyPr/>
+          <a:lstStyle/>
+          <a:p>
+            <a:fld id="{B6F15528-21DE-4FAA-801E-634DDDAF4B2B}" type="slidenum">
+              <a:rPr lang="en-US" sz="2400" smtClean="0"/>
+              <a:pPr/>
+              <a:t>13</a:t>
+            </a:fld>
+            <a:endParaRPr lang="en-US" sz="2400" dirty="0"/>
+          </a:p>
+        </p:txBody>
+      </p:sp>
+      <p:sp>
+        <p:nvSpPr>
+          <p:cNvPr id="8" name="TextBox 7"/>
+          <p:cNvSpPr txBox="1"/>
+          <p:nvPr/>
+        </p:nvSpPr>
+        <p:spPr>
+          <a:xfrm>
+            <a:off x="2667001" y="152400"/>
+            <a:ext cx="3505200" cy="923330"/>
+          </a:xfrm>
+          <a:prstGeom prst="rect">
+            <a:avLst/>
+          </a:prstGeom>
+          <a:noFill/>
+        </p:spPr>
+        <p:txBody>
+          <a:bodyPr wrap="square" rtlCol="0">
+            <a:spAutoFit/>
+          </a:bodyPr>
+          <a:lstStyle/>
+          <a:p>
+            <a:pPr algn="ctr"/>
+            <a:r>
+              <a:rPr lang="en-CA" sz="5400" dirty="0">
+                <a:latin typeface="Arial" panose="020B0604020202020204" pitchFamily="34" charset="0"/>
+                <a:cs typeface="Arial" panose="020B0604020202020204" pitchFamily="34" charset="0"/>
+              </a:rPr>
+              <a:t>Thank you </a:t>
+            </a:r>
+          </a:p>
+        </p:txBody>
+      </p:sp>
+      <p:sp>
+        <p:nvSpPr>
+          <p:cNvPr id="4" name="TextBox 3">
+            <a:extLst>
+              <a:ext uri="{FF2B5EF4-FFF2-40B4-BE49-F238E27FC236}">
+                <a16:creationId xmlns:a16="http://schemas.microsoft.com/office/drawing/2014/main" id="{E5348858-81E4-4A03-B654-81070188467E}"/>
+              </a:ext>
+            </a:extLst>
+          </p:cNvPr>
+          <p:cNvSpPr txBox="1"/>
+          <p:nvPr/>
+        </p:nvSpPr>
+        <p:spPr>
+          <a:xfrm>
+            <a:off x="952500" y="2521059"/>
+            <a:ext cx="7239000" cy="1815882"/>
+          </a:xfrm>
+          <a:prstGeom prst="rect">
+            <a:avLst/>
+          </a:prstGeom>
+          <a:noFill/>
+        </p:spPr>
+        <p:txBody>
+          <a:bodyPr wrap="square" rtlCol="0">
+            <a:spAutoFit/>
+          </a:bodyPr>
+          <a:lstStyle/>
+          <a:p>
+            <a:pPr algn="ctr"/>
+            <a:r>
+              <a:rPr lang="en-US" sz="2800" dirty="0">
+                <a:latin typeface="MV Boli" panose="02000500030200090000" pitchFamily="2" charset="0"/>
+                <a:cs typeface="MV Boli" panose="02000500030200090000" pitchFamily="2" charset="0"/>
+              </a:rPr>
+              <a:t>The Capacity to learn is a </a:t>
+            </a:r>
+            <a:r>
+              <a:rPr lang="en-US" sz="2800" dirty="0">
+                <a:solidFill>
+                  <a:schemeClr val="tx2">
+                    <a:lumMod val="60000"/>
+                    <a:lumOff val="40000"/>
+                  </a:schemeClr>
+                </a:solidFill>
+                <a:latin typeface="MV Boli" panose="02000500030200090000" pitchFamily="2" charset="0"/>
+                <a:cs typeface="MV Boli" panose="02000500030200090000" pitchFamily="2" charset="0"/>
+              </a:rPr>
+              <a:t>gift</a:t>
+            </a:r>
+            <a:r>
+              <a:rPr lang="en-US" sz="2800" dirty="0">
+                <a:latin typeface="MV Boli" panose="02000500030200090000" pitchFamily="2" charset="0"/>
+                <a:cs typeface="MV Boli" panose="02000500030200090000" pitchFamily="2" charset="0"/>
+              </a:rPr>
+              <a:t>;</a:t>
+            </a:r>
+          </a:p>
+          <a:p>
+            <a:pPr algn="ctr"/>
+            <a:r>
+              <a:rPr lang="en-US" sz="2800" dirty="0">
+                <a:latin typeface="MV Boli" panose="02000500030200090000" pitchFamily="2" charset="0"/>
+                <a:cs typeface="MV Boli" panose="02000500030200090000" pitchFamily="2" charset="0"/>
+              </a:rPr>
+              <a:t>The ability to learn is a </a:t>
+            </a:r>
+            <a:r>
+              <a:rPr lang="en-US" sz="2800" dirty="0">
+                <a:solidFill>
+                  <a:schemeClr val="tx2">
+                    <a:lumMod val="60000"/>
+                    <a:lumOff val="40000"/>
+                  </a:schemeClr>
+                </a:solidFill>
+                <a:latin typeface="MV Boli" panose="02000500030200090000" pitchFamily="2" charset="0"/>
+                <a:cs typeface="MV Boli" panose="02000500030200090000" pitchFamily="2" charset="0"/>
+              </a:rPr>
+              <a:t>skill</a:t>
+            </a:r>
+            <a:r>
+              <a:rPr lang="en-US" sz="2800" dirty="0">
+                <a:latin typeface="MV Boli" panose="02000500030200090000" pitchFamily="2" charset="0"/>
+                <a:cs typeface="MV Boli" panose="02000500030200090000" pitchFamily="2" charset="0"/>
+              </a:rPr>
+              <a:t>;</a:t>
+            </a:r>
+          </a:p>
+          <a:p>
+            <a:pPr algn="ctr"/>
+            <a:r>
+              <a:rPr lang="en-US" sz="2800" dirty="0">
+                <a:latin typeface="MV Boli" panose="02000500030200090000" pitchFamily="2" charset="0"/>
+                <a:cs typeface="MV Boli" panose="02000500030200090000" pitchFamily="2" charset="0"/>
+              </a:rPr>
+              <a:t>The willingness to learn is a </a:t>
+            </a:r>
+            <a:r>
+              <a:rPr lang="en-US" sz="2800" dirty="0">
+                <a:solidFill>
+                  <a:srgbClr val="00B050"/>
+                </a:solidFill>
+                <a:latin typeface="MV Boli" panose="02000500030200090000" pitchFamily="2" charset="0"/>
+                <a:cs typeface="MV Boli" panose="02000500030200090000" pitchFamily="2" charset="0"/>
+              </a:rPr>
+              <a:t>choice</a:t>
+            </a:r>
+            <a:r>
+              <a:rPr lang="en-US" sz="2800" dirty="0">
+                <a:latin typeface="MV Boli" panose="02000500030200090000" pitchFamily="2" charset="0"/>
+                <a:cs typeface="MV Boli" panose="02000500030200090000" pitchFamily="2" charset="0"/>
+              </a:rPr>
+              <a:t>.</a:t>
+            </a:r>
+          </a:p>
+          <a:p>
+            <a:pPr algn="ctr"/>
+            <a:r>
+              <a:rPr lang="en-US" sz="2800" dirty="0">
+                <a:latin typeface="MV Boli" panose="02000500030200090000" pitchFamily="2" charset="0"/>
+                <a:cs typeface="MV Boli" panose="02000500030200090000" pitchFamily="2" charset="0"/>
+              </a:rPr>
+              <a:t>			        -</a:t>
+            </a:r>
+            <a:r>
+              <a:rPr lang="en-US" sz="2000" dirty="0">
+                <a:latin typeface="MV Boli" panose="02000500030200090000" pitchFamily="2" charset="0"/>
+                <a:cs typeface="MV Boli" panose="02000500030200090000" pitchFamily="2" charset="0"/>
+              </a:rPr>
+              <a:t>Brian Herbert  </a:t>
+            </a:r>
+          </a:p>
+        </p:txBody>
+      </p:sp>
+    </p:spTree>
+    <p:extLst>
+      <p:ext uri="{BB962C8B-B14F-4D97-AF65-F5344CB8AC3E}">
+        <p14:creationId xmlns:p14="http://schemas.microsoft.com/office/powerpoint/2010/main" val="1847989529"/>
+      </p:ext>
+    </p:extLst>
+  </p:cSld>
+  <p:clrMapOvr>
+    <a:masterClrMapping/>
+  </p:clrMapOvr>
+  <mc:AlternateContent xmlns:mc="http://schemas.openxmlformats.org/markup-compatibility/2006" xmlns:p14="http://schemas.microsoft.com/office/powerpoint/2010/main">
+    <mc:Choice Requires="p14">
+      <p:transition spd="med" p14:dur="700">
+        <p:fade/>
+      </p:transition>
+    </mc:Choice>
+    <mc:Fallback xmlns="">
+      <p:transition spd="med">
+        <p:fade/>
+      </p:transition>
+    </mc:Fallback>
+  </mc:AlternateContent>
+</p:sld>
+</file>
+
 <file path=ppt/slides/slide14.xml><?xml version="1.0" encoding="utf-8"?>
 <p:sld xmlns:a="http://schemas.openxmlformats.org/drawingml/2006/main" xmlns:r="http://schemas.openxmlformats.org/officeDocument/2006/relationships" xmlns:p="http://schemas.openxmlformats.org/presentationml/2006/main">
   <p:cSld>
@@ -7738,287 +7694,112 @@
       </p:grpSpPr>
       <p:sp>
         <p:nvSpPr>
-          <p:cNvPr id="6" name="Slide Number Placeholder 8"/>
-          <p:cNvSpPr>
-            <a:spLocks noGrp="1"/>
-          </p:cNvSpPr>
-          <p:nvPr>
-            <p:ph type="sldNum" sz="quarter" idx="12"/>
-          </p:nvPr>
-        </p:nvSpPr>
-        <p:spPr>
-          <a:xfrm rot="16200000">
-            <a:off x="8496302" y="6362700"/>
-            <a:ext cx="609599" cy="381001"/>
-          </a:xfrm>
-        </p:spPr>
-        <p:txBody>
-          <a:bodyPr/>
-          <a:lstStyle/>
-          <a:p>
-            <a:fld id="{B6F15528-21DE-4FAA-801E-634DDDAF4B2B}" type="slidenum">
-              <a:rPr lang="en-US" sz="2400" smtClean="0"/>
-              <a:pPr/>
-              <a:t>14</a:t>
-            </a:fld>
-            <a:endParaRPr lang="en-US" sz="2400"/>
-          </a:p>
-        </p:txBody>
-      </p:sp>
-      <p:sp>
-        <p:nvSpPr>
-          <p:cNvPr id="8" name="TextBox 7"/>
-          <p:cNvSpPr txBox="1"/>
+          <p:cNvPr id="4" name="Rectangle 1"/>
+          <p:cNvSpPr>
+            <a:spLocks noChangeArrowheads="1"/>
+          </p:cNvSpPr>
           <p:nvPr/>
         </p:nvSpPr>
-        <p:spPr>
+        <p:spPr bwMode="auto">
           <a:xfrm>
-            <a:off x="2895600" y="762000"/>
-            <a:ext cx="3523129" cy="1323439"/>
+            <a:off x="304799" y="1066800"/>
+            <a:ext cx="8496301" cy="1661993"/>
           </a:xfrm>
           <a:prstGeom prst="rect">
             <a:avLst/>
           </a:prstGeom>
           <a:noFill/>
-        </p:spPr>
-        <p:txBody>
-          <a:bodyPr wrap="square" rtlCol="0">
+          <a:ln>
+            <a:noFill/>
+          </a:ln>
+          <a:extLst>
+            <a:ext uri="{909E8E84-426E-40DD-AFC4-6F175D3DCCD1}">
+              <a14:hiddenFill xmlns:a14="http://schemas.microsoft.com/office/drawing/2010/main">
+                <a:solidFill>
+                  <a:srgbClr val="FFFFFF"/>
+                </a:solidFill>
+              </a14:hiddenFill>
+            </a:ext>
+            <a:ext uri="{91240B29-F687-4F45-9708-019B960494DF}">
+              <a14:hiddenLine xmlns:a14="http://schemas.microsoft.com/office/drawing/2010/main" w="9525">
+                <a:solidFill>
+                  <a:srgbClr val="000000"/>
+                </a:solidFill>
+                <a:miter lim="800000"/>
+                <a:headEnd/>
+                <a:tailEnd/>
+              </a14:hiddenLine>
+            </a:ext>
+          </a:extLst>
+        </p:spPr>
+        <p:txBody>
+          <a:bodyPr wrap="square">
             <a:spAutoFit/>
           </a:bodyPr>
           <a:lstStyle/>
           <a:p>
-            <a:r>
-              <a:rPr lang="en-CA" sz="8000">
-                <a:latin typeface="Edwardian Script ITC" panose="030303020407070D0804" pitchFamily="66" charset="0"/>
+            <a:pPr algn="ctr"/>
+            <a:r>
+              <a:rPr lang="en-US" sz="5400" b="1">
+                <a:latin typeface="+mj-lt"/>
+                <a:cs typeface="Times New Roman" pitchFamily="18" charset="0"/>
               </a:rPr>
-              <a:t>Thank you </a:t>
-            </a:r>
-          </a:p>
-        </p:txBody>
-      </p:sp>
-      <p:pic>
-        <p:nvPicPr>
-          <p:cNvPr id="2" name="Picture 1"/>
-          <p:cNvPicPr>
-            <a:picLocks noChangeAspect="1"/>
-          </p:cNvPicPr>
-          <p:nvPr/>
-        </p:nvPicPr>
-        <p:blipFill>
-          <a:blip r:embed="rId3"/>
-          <a:stretch>
-            <a:fillRect/>
-          </a:stretch>
-        </p:blipFill>
-        <p:spPr>
-          <a:xfrm>
-            <a:off x="892545" y="2286000"/>
-            <a:ext cx="3098430" cy="3588915"/>
-          </a:xfrm>
-          <a:prstGeom prst="rect">
-            <a:avLst/>
-          </a:prstGeom>
-        </p:spPr>
-      </p:pic>
-      <p:sp>
-        <p:nvSpPr>
-          <p:cNvPr id="3" name="Rectangle 2"/>
-          <p:cNvSpPr/>
-          <p:nvPr/>
-        </p:nvSpPr>
-        <p:spPr>
-          <a:xfrm>
-            <a:off x="5597620" y="2895600"/>
-            <a:ext cx="1447800" cy="609600"/>
-          </a:xfrm>
-          <a:prstGeom prst="rect">
-            <a:avLst/>
-          </a:prstGeom>
-        </p:spPr>
-        <p:style>
-          <a:lnRef idx="2">
-            <a:schemeClr val="dk1"/>
-          </a:lnRef>
-          <a:fillRef idx="1">
-            <a:schemeClr val="lt1"/>
-          </a:fillRef>
-          <a:effectRef idx="0">
-            <a:schemeClr val="dk1"/>
-          </a:effectRef>
-          <a:fontRef idx="minor">
-            <a:schemeClr val="dk1"/>
-          </a:fontRef>
-        </p:style>
-        <p:txBody>
-          <a:bodyPr rtlCol="0" anchor="ctr"/>
-          <a:lstStyle/>
+              <a:t>Appendix:</a:t>
+            </a:r>
+          </a:p>
           <a:p>
             <a:pPr algn="ctr"/>
             <a:r>
-              <a:rPr lang="en-US"/>
-              <a:t>Question?</a:t>
-            </a:r>
-          </a:p>
-        </p:txBody>
-      </p:sp>
-      <p:sp>
-        <p:nvSpPr>
-          <p:cNvPr id="7" name="Rectangle 6"/>
-          <p:cNvSpPr/>
-          <p:nvPr/>
-        </p:nvSpPr>
-        <p:spPr>
-          <a:xfrm>
-            <a:off x="4530820" y="4533900"/>
-            <a:ext cx="1447800" cy="609600"/>
-          </a:xfrm>
-          <a:prstGeom prst="rect">
-            <a:avLst/>
-          </a:prstGeom>
-        </p:spPr>
-        <p:style>
-          <a:lnRef idx="2">
-            <a:schemeClr val="dk1"/>
-          </a:lnRef>
-          <a:fillRef idx="1">
-            <a:schemeClr val="lt1"/>
-          </a:fillRef>
-          <a:effectRef idx="0">
-            <a:schemeClr val="dk1"/>
-          </a:effectRef>
-          <a:fontRef idx="minor">
-            <a:schemeClr val="dk1"/>
-          </a:fontRef>
-        </p:style>
-        <p:txBody>
-          <a:bodyPr rtlCol="0" anchor="ctr"/>
-          <a:lstStyle/>
-          <a:p>
-            <a:pPr algn="ctr"/>
-            <a:r>
-              <a:rPr lang="en-US"/>
-              <a:t>To be</a:t>
-            </a:r>
-          </a:p>
-        </p:txBody>
-      </p:sp>
-      <p:sp>
-        <p:nvSpPr>
-          <p:cNvPr id="9" name="Rectangle 8"/>
-          <p:cNvSpPr/>
-          <p:nvPr/>
-        </p:nvSpPr>
-        <p:spPr>
-          <a:xfrm>
-            <a:off x="6803655" y="4533900"/>
-            <a:ext cx="1447800" cy="609600"/>
-          </a:xfrm>
-          <a:prstGeom prst="rect">
-            <a:avLst/>
-          </a:prstGeom>
-        </p:spPr>
-        <p:style>
-          <a:lnRef idx="2">
-            <a:schemeClr val="dk1"/>
-          </a:lnRef>
-          <a:fillRef idx="1">
-            <a:schemeClr val="lt1"/>
-          </a:fillRef>
-          <a:effectRef idx="0">
-            <a:schemeClr val="dk1"/>
-          </a:effectRef>
-          <a:fontRef idx="minor">
-            <a:schemeClr val="dk1"/>
-          </a:fontRef>
-        </p:style>
-        <p:txBody>
-          <a:bodyPr rtlCol="0" anchor="ctr"/>
-          <a:lstStyle/>
-          <a:p>
-            <a:pPr algn="ctr"/>
-            <a:r>
-              <a:rPr lang="en-US"/>
-              <a:t>Not to be</a:t>
-            </a:r>
-          </a:p>
-        </p:txBody>
-      </p:sp>
-      <p:cxnSp>
-        <p:nvCxnSpPr>
-          <p:cNvPr id="5" name="Elbow Connector 4"/>
-          <p:cNvCxnSpPr>
-            <a:stCxn id="3" idx="2"/>
-            <a:endCxn id="9" idx="0"/>
-          </p:cNvCxnSpPr>
-          <p:nvPr/>
-        </p:nvCxnSpPr>
-        <p:spPr>
-          <a:xfrm rot="16200000" flipH="1">
-            <a:off x="6410187" y="3416532"/>
-            <a:ext cx="1028700" cy="1206035"/>
-          </a:xfrm>
-          <a:prstGeom prst="bentConnector3">
-            <a:avLst/>
-          </a:prstGeom>
-          <a:ln>
-            <a:tailEnd type="triangle"/>
-          </a:ln>
-        </p:spPr>
-        <p:style>
-          <a:lnRef idx="1">
-            <a:schemeClr val="accent1"/>
-          </a:lnRef>
-          <a:fillRef idx="0">
-            <a:schemeClr val="accent1"/>
-          </a:fillRef>
-          <a:effectRef idx="0">
-            <a:schemeClr val="accent1"/>
-          </a:effectRef>
-          <a:fontRef idx="minor">
-            <a:schemeClr val="tx1"/>
-          </a:fontRef>
-        </p:style>
-      </p:cxnSp>
-      <p:cxnSp>
-        <p:nvCxnSpPr>
-          <p:cNvPr id="13" name="Elbow Connector 12"/>
-          <p:cNvCxnSpPr>
-            <a:stCxn id="3" idx="2"/>
-            <a:endCxn id="7" idx="0"/>
-          </p:cNvCxnSpPr>
-          <p:nvPr/>
-        </p:nvCxnSpPr>
-        <p:spPr>
-          <a:xfrm rot="5400000">
-            <a:off x="5273770" y="3486150"/>
-            <a:ext cx="1028700" cy="1066800"/>
-          </a:xfrm>
-          <a:prstGeom prst="bentConnector3">
-            <a:avLst/>
-          </a:prstGeom>
-          <a:ln>
-            <a:tailEnd type="triangle"/>
-          </a:ln>
-        </p:spPr>
-        <p:style>
-          <a:lnRef idx="1">
-            <a:schemeClr val="accent1"/>
-          </a:lnRef>
-          <a:fillRef idx="0">
-            <a:schemeClr val="accent1"/>
-          </a:fillRef>
-          <a:effectRef idx="0">
-            <a:schemeClr val="accent1"/>
-          </a:effectRef>
-          <a:fontRef idx="minor">
-            <a:schemeClr val="tx1"/>
-          </a:fontRef>
-        </p:style>
-      </p:cxnSp>
+              <a:rPr lang="en-US" sz="4800" b="1">
+                <a:latin typeface="+mj-lt"/>
+                <a:cs typeface="Times New Roman" pitchFamily="18" charset="0"/>
+              </a:rPr>
+              <a:t>Installation Process</a:t>
+            </a:r>
+            <a:endParaRPr lang="en-US" sz="4400">
+              <a:latin typeface="+mj-lt"/>
+              <a:cs typeface="Times New Roman" pitchFamily="18" charset="0"/>
+            </a:endParaRPr>
+          </a:p>
+        </p:txBody>
+      </p:sp>
+      <p:sp>
+        <p:nvSpPr>
+          <p:cNvPr id="9" name="Slide Number Placeholder 8"/>
+          <p:cNvSpPr>
+            <a:spLocks noGrp="1"/>
+          </p:cNvSpPr>
+          <p:nvPr>
+            <p:ph type="sldNum" sz="quarter" idx="12"/>
+          </p:nvPr>
+        </p:nvSpPr>
+        <p:spPr>
+          <a:xfrm rot="16200000">
+            <a:off x="8496302" y="6362700"/>
+            <a:ext cx="609599" cy="381001"/>
+          </a:xfrm>
+        </p:spPr>
+        <p:txBody>
+          <a:bodyPr/>
+          <a:lstStyle/>
+          <a:p>
+            <a:fld id="{B6F15528-21DE-4FAA-801E-634DDDAF4B2B}" type="slidenum">
+              <a:rPr lang="en-US" sz="2400" smtClean="0">
+                <a:latin typeface="+mj-lt"/>
+              </a:rPr>
+              <a:pPr/>
+              <a:t>14</a:t>
+            </a:fld>
+            <a:endParaRPr lang="en-US" sz="2400">
+              <a:latin typeface="+mj-lt"/>
+            </a:endParaRPr>
+          </a:p>
+        </p:txBody>
+      </p:sp>
     </p:spTree>
     <p:extLst>
       <p:ext uri="{BB962C8B-B14F-4D97-AF65-F5344CB8AC3E}">
-        <p14:creationId xmlns:p14="http://schemas.microsoft.com/office/powerpoint/2010/main" val="3155977105"/>
+        <p14:creationId xmlns:p14="http://schemas.microsoft.com/office/powerpoint/2010/main" val="4222277315"/>
       </p:ext>
     </p:extLst>
   </p:cSld>
@@ -8059,43 +7840,47 @@
       </p:grpSpPr>
       <p:sp>
         <p:nvSpPr>
-          <p:cNvPr id="4" name="Rectangle 1"/>
-          <p:cNvSpPr>
-            <a:spLocks noChangeArrowheads="1"/>
-          </p:cNvSpPr>
+          <p:cNvPr id="6" name="Slide Number Placeholder 8"/>
+          <p:cNvSpPr>
+            <a:spLocks noGrp="1"/>
+          </p:cNvSpPr>
+          <p:nvPr>
+            <p:ph type="sldNum" sz="quarter" idx="12"/>
+          </p:nvPr>
+        </p:nvSpPr>
+        <p:spPr>
+          <a:xfrm rot="16200000">
+            <a:off x="8496302" y="6362700"/>
+            <a:ext cx="609599" cy="381001"/>
+          </a:xfrm>
+        </p:spPr>
+        <p:txBody>
+          <a:bodyPr/>
+          <a:lstStyle/>
+          <a:p>
+            <a:fld id="{B6F15528-21DE-4FAA-801E-634DDDAF4B2B}" type="slidenum">
+              <a:rPr lang="en-US" sz="2400" smtClean="0"/>
+              <a:pPr/>
+              <a:t>15</a:t>
+            </a:fld>
+            <a:endParaRPr lang="en-US" sz="2400"/>
+          </a:p>
+        </p:txBody>
+      </p:sp>
+      <p:sp>
+        <p:nvSpPr>
+          <p:cNvPr id="19" name="Rectangle 18"/>
+          <p:cNvSpPr/>
           <p:nvPr/>
         </p:nvSpPr>
-        <p:spPr bwMode="auto">
+        <p:spPr>
           <a:xfrm>
-            <a:off x="304799" y="1066800"/>
-            <a:ext cx="8496301" cy="1661993"/>
+            <a:off x="457200" y="533400"/>
+            <a:ext cx="8305800" cy="707886"/>
           </a:xfrm>
           <a:prstGeom prst="rect">
             <a:avLst/>
           </a:prstGeom>
-          <a:noFill/>
-          <a:ln>
-            <a:noFill/>
-          </a:ln>
-          <a:extLst>
-            <a:ext uri="{909E8E84-426E-40DD-AFC4-6F175D3DCCD1}">
-              <a14:hiddenFill xmlns:a14="http://schemas.microsoft.com/office/drawing/2010/main">
-                <a:solidFill>
-                  <a:srgbClr val="FFFFFF"/>
-                </a:solidFill>
-              </a14:hiddenFill>
-            </a:ext>
-            <a:ext uri="{91240B29-F687-4F45-9708-019B960494DF}">
-              <a14:hiddenLine xmlns:a14="http://schemas.microsoft.com/office/drawing/2010/main" w="9525">
-                <a:solidFill>
-                  <a:srgbClr val="000000"/>
-                </a:solidFill>
-                <a:miter lim="800000"/>
-                <a:headEnd/>
-                <a:tailEnd/>
-              </a14:hiddenLine>
-            </a:ext>
-          </a:extLst>
         </p:spPr>
         <p:txBody>
           <a:bodyPr wrap="square">
@@ -8103,68 +7888,48 @@
           </a:bodyPr>
           <a:lstStyle/>
           <a:p>
-            <a:pPr algn="ctr"/>
-            <a:r>
-              <a:rPr lang="en-US" sz="5400" b="1">
-                <a:latin typeface="+mj-lt"/>
-                <a:cs typeface="Times New Roman" pitchFamily="18" charset="0"/>
-              </a:rPr>
-              <a:t>Appendix:</a:t>
-            </a:r>
-          </a:p>
-          <a:p>
-            <a:pPr algn="ctr"/>
-            <a:r>
-              <a:rPr lang="en-US" sz="4800" b="1">
-                <a:latin typeface="+mj-lt"/>
-                <a:cs typeface="Times New Roman" pitchFamily="18" charset="0"/>
-              </a:rPr>
-              <a:t>Installation Process</a:t>
-            </a:r>
-            <a:endParaRPr lang="en-US" sz="4400">
-              <a:latin typeface="+mj-lt"/>
-              <a:cs typeface="Times New Roman" pitchFamily="18" charset="0"/>
-            </a:endParaRPr>
-          </a:p>
-        </p:txBody>
-      </p:sp>
-      <p:sp>
-        <p:nvSpPr>
-          <p:cNvPr id="9" name="Slide Number Placeholder 8"/>
-          <p:cNvSpPr>
-            <a:spLocks noGrp="1"/>
-          </p:cNvSpPr>
-          <p:nvPr>
-            <p:ph type="sldNum" sz="quarter" idx="12"/>
-          </p:nvPr>
-        </p:nvSpPr>
-        <p:spPr>
-          <a:xfrm rot="16200000">
-            <a:off x="8496302" y="6362700"/>
-            <a:ext cx="609599" cy="381001"/>
-          </a:xfrm>
-        </p:spPr>
-        <p:txBody>
-          <a:bodyPr/>
-          <a:lstStyle/>
-          <a:p>
-            <a:fld id="{B6F15528-21DE-4FAA-801E-634DDDAF4B2B}" type="slidenum">
-              <a:rPr lang="en-US" sz="2400" smtClean="0">
-                <a:latin typeface="+mj-lt"/>
-              </a:rPr>
-              <a:pPr/>
-              <a:t>15</a:t>
-            </a:fld>
-            <a:endParaRPr lang="en-US" sz="2400">
-              <a:latin typeface="+mj-lt"/>
-            </a:endParaRPr>
-          </a:p>
-        </p:txBody>
-      </p:sp>
+            <a:r>
+              <a:rPr lang="en-US" sz="4000" b="1"/>
+              <a:t>Anaconda Distribution of Python</a:t>
+            </a:r>
+            <a:endParaRPr lang="en-US" sz="2800" b="1"/>
+          </a:p>
+        </p:txBody>
+      </p:sp>
+      <p:pic>
+        <p:nvPicPr>
+          <p:cNvPr id="5" name="Picture 4">
+            <a:hlinkClick r:id="rId3"/>
+            <a:extLst>
+              <a:ext uri="{FF2B5EF4-FFF2-40B4-BE49-F238E27FC236}">
+                <a16:creationId xmlns:a16="http://schemas.microsoft.com/office/drawing/2014/main" id="{4D016A51-9240-455D-83C5-300FBC72DB7B}"/>
+              </a:ext>
+            </a:extLst>
+          </p:cNvPr>
+          <p:cNvPicPr>
+            <a:picLocks noChangeAspect="1"/>
+          </p:cNvPicPr>
+          <p:nvPr/>
+        </p:nvPicPr>
+        <p:blipFill rotWithShape="1">
+          <a:blip r:embed="rId4"/>
+          <a:srcRect t="624"/>
+          <a:stretch/>
+        </p:blipFill>
+        <p:spPr>
+          <a:xfrm>
+            <a:off x="419100" y="1524000"/>
+            <a:ext cx="8305800" cy="4255023"/>
+          </a:xfrm>
+          <a:prstGeom prst="rect">
+            <a:avLst/>
+          </a:prstGeom>
+        </p:spPr>
+      </p:pic>
     </p:spTree>
     <p:extLst>
       <p:ext uri="{BB962C8B-B14F-4D97-AF65-F5344CB8AC3E}">
-        <p14:creationId xmlns:p14="http://schemas.microsoft.com/office/powerpoint/2010/main" val="4222277315"/>
+        <p14:creationId xmlns:p14="http://schemas.microsoft.com/office/powerpoint/2010/main" val="527360231"/>
       </p:ext>
     </p:extLst>
   </p:cSld>
@@ -8264,7 +8029,6 @@
       <p:pic>
         <p:nvPicPr>
           <p:cNvPr id="5" name="Picture 4">
-            <a:hlinkClick r:id="rId3"/>
             <a:extLst>
               <a:ext uri="{FF2B5EF4-FFF2-40B4-BE49-F238E27FC236}">
                 <a16:creationId xmlns:a16="http://schemas.microsoft.com/office/drawing/2014/main" id="{4D016A51-9240-455D-83C5-300FBC72DB7B}"/>
@@ -8277,7 +8041,7 @@
           <p:nvPr/>
         </p:nvPicPr>
         <p:blipFill rotWithShape="1">
-          <a:blip r:embed="rId4"/>
+          <a:blip r:embed="rId3"/>
           <a:srcRect t="624"/>
           <a:stretch/>
         </p:blipFill>
@@ -8291,10 +8055,108 @@
           </a:prstGeom>
         </p:spPr>
       </p:pic>
+      <p:sp>
+        <p:nvSpPr>
+          <p:cNvPr id="7" name="Arrow: Right 6">
+            <a:extLst>
+              <a:ext uri="{FF2B5EF4-FFF2-40B4-BE49-F238E27FC236}">
+                <a16:creationId xmlns:a16="http://schemas.microsoft.com/office/drawing/2014/main" id="{7EC9B77D-A64E-44CA-A9ED-F5FFBB7B16BC}"/>
+              </a:ext>
+            </a:extLst>
+          </p:cNvPr>
+          <p:cNvSpPr/>
+          <p:nvPr/>
+        </p:nvSpPr>
+        <p:spPr>
+          <a:xfrm>
+            <a:off x="6616700" y="5219700"/>
+            <a:ext cx="381000" cy="584200"/>
+          </a:xfrm>
+          <a:prstGeom prst="rightArrow">
+            <a:avLst/>
+          </a:prstGeom>
+        </p:spPr>
+        <p:style>
+          <a:lnRef idx="2">
+            <a:schemeClr val="accent6">
+              <a:shade val="50000"/>
+            </a:schemeClr>
+          </a:lnRef>
+          <a:fillRef idx="1">
+            <a:schemeClr val="accent6"/>
+          </a:fillRef>
+          <a:effectRef idx="0">
+            <a:schemeClr val="accent6"/>
+          </a:effectRef>
+          <a:fontRef idx="minor">
+            <a:schemeClr val="lt1"/>
+          </a:fontRef>
+        </p:style>
+        <p:txBody>
+          <a:bodyPr rtlCol="0" anchor="ctr"/>
+          <a:lstStyle/>
+          <a:p>
+            <a:pPr algn="ctr"/>
+            <a:r>
+              <a:rPr lang="en-US" sz="1600"/>
+              <a:t>1</a:t>
+            </a:r>
+          </a:p>
+        </p:txBody>
+      </p:sp>
+      <p:sp>
+        <p:nvSpPr>
+          <p:cNvPr id="3" name="Arrow: Left 2">
+            <a:extLst>
+              <a:ext uri="{FF2B5EF4-FFF2-40B4-BE49-F238E27FC236}">
+                <a16:creationId xmlns:a16="http://schemas.microsoft.com/office/drawing/2014/main" id="{1497A6F2-7F2B-4013-98EB-81C0BACE34D3}"/>
+              </a:ext>
+            </a:extLst>
+          </p:cNvPr>
+          <p:cNvSpPr/>
+          <p:nvPr/>
+        </p:nvSpPr>
+        <p:spPr>
+          <a:xfrm>
+            <a:off x="4762500" y="2603500"/>
+            <a:ext cx="419100" cy="520700"/>
+          </a:xfrm>
+          <a:prstGeom prst="leftArrow">
+            <a:avLst/>
+          </a:prstGeom>
+        </p:spPr>
+        <p:style>
+          <a:lnRef idx="2">
+            <a:schemeClr val="accent6">
+              <a:shade val="50000"/>
+            </a:schemeClr>
+          </a:lnRef>
+          <a:fillRef idx="1">
+            <a:schemeClr val="accent6"/>
+          </a:fillRef>
+          <a:effectRef idx="0">
+            <a:schemeClr val="accent6"/>
+          </a:effectRef>
+          <a:fontRef idx="minor">
+            <a:schemeClr val="lt1"/>
+          </a:fontRef>
+        </p:style>
+        <p:txBody>
+          <a:bodyPr rtlCol="0" anchor="ctr"/>
+          <a:lstStyle/>
+          <a:p>
+            <a:pPr algn="ctr"/>
+            <a:r>
+              <a:rPr lang="en-US" sz="1600"/>
+              <a:t>2</a:t>
+            </a:r>
+          </a:p>
+        </p:txBody>
+      </p:sp>
     </p:spTree>
     <p:extLst>
       <p:ext uri="{BB962C8B-B14F-4D97-AF65-F5344CB8AC3E}">
-        <p14:creationId xmlns:p14="http://schemas.microsoft.com/office/powerpoint/2010/main" val="527360231"/>
+        <p14:creationId xmlns:p14="http://schemas.microsoft.com/office/powerpoint/2010/main" val="1429356594"/>
       </p:ext>
     </p:extLst>
   </p:cSld>
@@ -8393,10 +8255,10 @@
       </p:sp>
       <p:pic>
         <p:nvPicPr>
-          <p:cNvPr id="5" name="Picture 4">
+          <p:cNvPr id="9" name="Picture 8">
             <a:extLst>
               <a:ext uri="{FF2B5EF4-FFF2-40B4-BE49-F238E27FC236}">
-                <a16:creationId xmlns:a16="http://schemas.microsoft.com/office/drawing/2014/main" id="{4D016A51-9240-455D-83C5-300FBC72DB7B}"/>
+                <a16:creationId xmlns:a16="http://schemas.microsoft.com/office/drawing/2014/main" id="{E0910874-CC9A-41CF-A010-1D1B4EAAC85B}"/>
               </a:ext>
             </a:extLst>
           </p:cNvPr>
@@ -8405,15 +8267,16 @@
           </p:cNvPicPr>
           <p:nvPr/>
         </p:nvPicPr>
-        <p:blipFill rotWithShape="1">
+        <p:blipFill>
           <a:blip r:embed="rId3"/>
-          <a:srcRect t="624"/>
-          <a:stretch/>
+          <a:stretch>
+            <a:fillRect/>
+          </a:stretch>
         </p:blipFill>
         <p:spPr>
           <a:xfrm>
-            <a:off x="419100" y="1524000"/>
-            <a:ext cx="8305800" cy="4255023"/>
+            <a:off x="614865" y="1940478"/>
+            <a:ext cx="7914269" cy="3608731"/>
           </a:xfrm>
           <a:prstGeom prst="rect">
             <a:avLst/>
@@ -8422,10 +8285,10 @@
       </p:pic>
       <p:sp>
         <p:nvSpPr>
-          <p:cNvPr id="7" name="Arrow: Right 6">
+          <p:cNvPr id="11" name="Arrow: Right 10">
             <a:extLst>
               <a:ext uri="{FF2B5EF4-FFF2-40B4-BE49-F238E27FC236}">
-                <a16:creationId xmlns:a16="http://schemas.microsoft.com/office/drawing/2014/main" id="{7EC9B77D-A64E-44CA-A9ED-F5FFBB7B16BC}"/>
+                <a16:creationId xmlns:a16="http://schemas.microsoft.com/office/drawing/2014/main" id="{076BE999-E113-4595-BD18-949DD3459773}"/>
               </a:ext>
             </a:extLst>
           </p:cNvPr>
@@ -8434,7 +8297,7 @@
         </p:nvSpPr>
         <p:spPr>
           <a:xfrm>
-            <a:off x="6616700" y="5219700"/>
+            <a:off x="2743200" y="1940478"/>
             <a:ext cx="381000" cy="584200"/>
           </a:xfrm>
           <a:prstGeom prst="rightArrow">
@@ -8471,10 +8334,10 @@
       </p:sp>
       <p:sp>
         <p:nvSpPr>
-          <p:cNvPr id="3" name="Arrow: Left 2">
+          <p:cNvPr id="12" name="Arrow: Right 11">
             <a:extLst>
               <a:ext uri="{FF2B5EF4-FFF2-40B4-BE49-F238E27FC236}">
-                <a16:creationId xmlns:a16="http://schemas.microsoft.com/office/drawing/2014/main" id="{1497A6F2-7F2B-4013-98EB-81C0BACE34D3}"/>
+                <a16:creationId xmlns:a16="http://schemas.microsoft.com/office/drawing/2014/main" id="{1014A5A9-E64A-4272-9900-D669900E4EB7}"/>
               </a:ext>
             </a:extLst>
           </p:cNvPr>
@@ -8483,10 +8346,10 @@
         </p:nvSpPr>
         <p:spPr>
           <a:xfrm>
-            <a:off x="4762500" y="2603500"/>
-            <a:ext cx="419100" cy="520700"/>
-          </a:xfrm>
-          <a:prstGeom prst="leftArrow">
+            <a:off x="1371600" y="4419600"/>
+            <a:ext cx="381000" cy="584200"/>
+          </a:xfrm>
+          <a:prstGeom prst="rightArrow">
             <a:avLst/>
           </a:prstGeom>
         </p:spPr>
@@ -8521,7 +8384,7 @@
     </p:spTree>
     <p:extLst>
       <p:ext uri="{BB962C8B-B14F-4D97-AF65-F5344CB8AC3E}">
-        <p14:creationId xmlns:p14="http://schemas.microsoft.com/office/powerpoint/2010/main" val="1429356594"/>
+        <p14:creationId xmlns:p14="http://schemas.microsoft.com/office/powerpoint/2010/main" val="758634814"/>
       </p:ext>
     </p:extLst>
   </p:cSld>
@@ -8612,7 +8475,7 @@
           <a:p>
             <a:r>
               <a:rPr lang="en-US" sz="4000" b="1"/>
-              <a:t>Anaconda Distribution of Python</a:t>
+              <a:t>Installation Process</a:t>
             </a:r>
             <a:endParaRPr lang="en-US" sz="2800" b="1"/>
           </a:p>
@@ -8620,10 +8483,10 @@
       </p:sp>
       <p:pic>
         <p:nvPicPr>
-          <p:cNvPr id="9" name="Picture 8">
+          <p:cNvPr id="2" name="Picture 1">
             <a:extLst>
               <a:ext uri="{FF2B5EF4-FFF2-40B4-BE49-F238E27FC236}">
-                <a16:creationId xmlns:a16="http://schemas.microsoft.com/office/drawing/2014/main" id="{E0910874-CC9A-41CF-A010-1D1B4EAAC85B}"/>
+                <a16:creationId xmlns:a16="http://schemas.microsoft.com/office/drawing/2014/main" id="{43E39E58-08AF-4150-A474-7CDF59CFF656}"/>
               </a:ext>
             </a:extLst>
           </p:cNvPr>
@@ -8640,8 +8503,8 @@
         </p:blipFill>
         <p:spPr>
           <a:xfrm>
-            <a:off x="614865" y="1940478"/>
-            <a:ext cx="7914269" cy="3608731"/>
+            <a:off x="914400" y="1676400"/>
+            <a:ext cx="4267200" cy="329580"/>
           </a:xfrm>
           <a:prstGeom prst="rect">
             <a:avLst/>
@@ -8650,10 +8513,10 @@
       </p:pic>
       <p:sp>
         <p:nvSpPr>
-          <p:cNvPr id="11" name="Arrow: Right 10">
+          <p:cNvPr id="8" name="Arrow: Right 7">
             <a:extLst>
               <a:ext uri="{FF2B5EF4-FFF2-40B4-BE49-F238E27FC236}">
-                <a16:creationId xmlns:a16="http://schemas.microsoft.com/office/drawing/2014/main" id="{076BE999-E113-4595-BD18-949DD3459773}"/>
+                <a16:creationId xmlns:a16="http://schemas.microsoft.com/office/drawing/2014/main" id="{4BE4AAC3-3AF5-4FBB-B010-CAD6FFAF7599}"/>
               </a:ext>
             </a:extLst>
           </p:cNvPr>
@@ -8662,7 +8525,7 @@
         </p:nvSpPr>
         <p:spPr>
           <a:xfrm>
-            <a:off x="2743200" y="1940478"/>
+            <a:off x="400050" y="1549090"/>
             <a:ext cx="381000" cy="584200"/>
           </a:xfrm>
           <a:prstGeom prst="rightArrow">
@@ -8697,12 +8560,42 @@
           </a:p>
         </p:txBody>
       </p:sp>
-      <p:sp>
-        <p:nvSpPr>
-          <p:cNvPr id="12" name="Arrow: Right 11">
+      <p:pic>
+        <p:nvPicPr>
+          <p:cNvPr id="3" name="Picture 2">
             <a:extLst>
               <a:ext uri="{FF2B5EF4-FFF2-40B4-BE49-F238E27FC236}">
-                <a16:creationId xmlns:a16="http://schemas.microsoft.com/office/drawing/2014/main" id="{1014A5A9-E64A-4272-9900-D669900E4EB7}"/>
+                <a16:creationId xmlns:a16="http://schemas.microsoft.com/office/drawing/2014/main" id="{943BB483-D7C4-4469-BB6F-AAA123846DD3}"/>
+              </a:ext>
+            </a:extLst>
+          </p:cNvPr>
+          <p:cNvPicPr>
+            <a:picLocks noChangeAspect="1"/>
+          </p:cNvPicPr>
+          <p:nvPr/>
+        </p:nvPicPr>
+        <p:blipFill>
+          <a:blip r:embed="rId4"/>
+          <a:stretch>
+            <a:fillRect/>
+          </a:stretch>
+        </p:blipFill>
+        <p:spPr>
+          <a:xfrm>
+            <a:off x="2195512" y="2441094"/>
+            <a:ext cx="4752975" cy="3695700"/>
+          </a:xfrm>
+          <a:prstGeom prst="rect">
+            <a:avLst/>
+          </a:prstGeom>
+        </p:spPr>
+      </p:pic>
+      <p:sp>
+        <p:nvSpPr>
+          <p:cNvPr id="13" name="Arrow: Right 12">
+            <a:extLst>
+              <a:ext uri="{FF2B5EF4-FFF2-40B4-BE49-F238E27FC236}">
+                <a16:creationId xmlns:a16="http://schemas.microsoft.com/office/drawing/2014/main" id="{758CC48F-A69D-4CEE-BFAB-B42935A4B06F}"/>
               </a:ext>
             </a:extLst>
           </p:cNvPr>
@@ -8711,7 +8604,7 @@
         </p:nvSpPr>
         <p:spPr>
           <a:xfrm>
-            <a:off x="1371600" y="4419600"/>
+            <a:off x="4819650" y="5582272"/>
             <a:ext cx="381000" cy="584200"/>
           </a:xfrm>
           <a:prstGeom prst="rightArrow">
@@ -8749,7 +8642,7 @@
     </p:spTree>
     <p:extLst>
       <p:ext uri="{BB962C8B-B14F-4D97-AF65-F5344CB8AC3E}">
-        <p14:creationId xmlns:p14="http://schemas.microsoft.com/office/powerpoint/2010/main" val="758634814"/>
+        <p14:creationId xmlns:p14="http://schemas.microsoft.com/office/powerpoint/2010/main" val="1570771532"/>
       </p:ext>
     </p:extLst>
   </p:cSld>
@@ -8848,10 +8741,10 @@
       </p:sp>
       <p:pic>
         <p:nvPicPr>
-          <p:cNvPr id="2" name="Picture 1">
+          <p:cNvPr id="4" name="Picture 3">
             <a:extLst>
               <a:ext uri="{FF2B5EF4-FFF2-40B4-BE49-F238E27FC236}">
-                <a16:creationId xmlns:a16="http://schemas.microsoft.com/office/drawing/2014/main" id="{43E39E58-08AF-4150-A474-7CDF59CFF656}"/>
+                <a16:creationId xmlns:a16="http://schemas.microsoft.com/office/drawing/2014/main" id="{3EC88634-0DA5-4C89-926D-5B3FCACA030B}"/>
               </a:ext>
             </a:extLst>
           </p:cNvPr>
@@ -8868,8 +8761,8 @@
         </p:blipFill>
         <p:spPr>
           <a:xfrm>
-            <a:off x="914400" y="1676400"/>
-            <a:ext cx="4267200" cy="329580"/>
+            <a:off x="2233612" y="2089150"/>
+            <a:ext cx="4752975" cy="3695700"/>
           </a:xfrm>
           <a:prstGeom prst="rect">
             <a:avLst/>
@@ -8878,10 +8771,10 @@
       </p:pic>
       <p:sp>
         <p:nvSpPr>
-          <p:cNvPr id="8" name="Arrow: Right 7">
+          <p:cNvPr id="9" name="Arrow: Right 8">
             <a:extLst>
               <a:ext uri="{FF2B5EF4-FFF2-40B4-BE49-F238E27FC236}">
-                <a16:creationId xmlns:a16="http://schemas.microsoft.com/office/drawing/2014/main" id="{4BE4AAC3-3AF5-4FBB-B010-CAD6FFAF7599}"/>
+                <a16:creationId xmlns:a16="http://schemas.microsoft.com/office/drawing/2014/main" id="{243C8751-816A-4BE4-92CC-56BC7EAD905B}"/>
               </a:ext>
             </a:extLst>
           </p:cNvPr>
@@ -8889,8 +8782,8 @@
           <p:nvPr/>
         </p:nvSpPr>
         <p:spPr>
-          <a:xfrm>
-            <a:off x="400050" y="1549090"/>
+          <a:xfrm rot="5400000">
+            <a:off x="5511800" y="5010150"/>
             <a:ext cx="381000" cy="584200"/>
           </a:xfrm>
           <a:prstGeom prst="rightArrow">
@@ -8918,96 +8811,14 @@
           <a:lstStyle/>
           <a:p>
             <a:pPr algn="ctr"/>
-            <a:r>
-              <a:rPr lang="en-US" sz="1600"/>
-              <a:t>1</a:t>
-            </a:r>
-          </a:p>
-        </p:txBody>
-      </p:sp>
-      <p:pic>
-        <p:nvPicPr>
-          <p:cNvPr id="3" name="Picture 2">
-            <a:extLst>
-              <a:ext uri="{FF2B5EF4-FFF2-40B4-BE49-F238E27FC236}">
-                <a16:creationId xmlns:a16="http://schemas.microsoft.com/office/drawing/2014/main" id="{943BB483-D7C4-4469-BB6F-AAA123846DD3}"/>
-              </a:ext>
-            </a:extLst>
-          </p:cNvPr>
-          <p:cNvPicPr>
-            <a:picLocks noChangeAspect="1"/>
-          </p:cNvPicPr>
-          <p:nvPr/>
-        </p:nvPicPr>
-        <p:blipFill>
-          <a:blip r:embed="rId4"/>
-          <a:stretch>
-            <a:fillRect/>
-          </a:stretch>
-        </p:blipFill>
-        <p:spPr>
-          <a:xfrm>
-            <a:off x="2195512" y="2441094"/>
-            <a:ext cx="4752975" cy="3695700"/>
-          </a:xfrm>
-          <a:prstGeom prst="rect">
-            <a:avLst/>
-          </a:prstGeom>
-        </p:spPr>
-      </p:pic>
-      <p:sp>
-        <p:nvSpPr>
-          <p:cNvPr id="13" name="Arrow: Right 12">
-            <a:extLst>
-              <a:ext uri="{FF2B5EF4-FFF2-40B4-BE49-F238E27FC236}">
-                <a16:creationId xmlns:a16="http://schemas.microsoft.com/office/drawing/2014/main" id="{758CC48F-A69D-4CEE-BFAB-B42935A4B06F}"/>
-              </a:ext>
-            </a:extLst>
-          </p:cNvPr>
-          <p:cNvSpPr/>
-          <p:nvPr/>
-        </p:nvSpPr>
-        <p:spPr>
-          <a:xfrm>
-            <a:off x="4819650" y="5582272"/>
-            <a:ext cx="381000" cy="584200"/>
-          </a:xfrm>
-          <a:prstGeom prst="rightArrow">
-            <a:avLst/>
-          </a:prstGeom>
-        </p:spPr>
-        <p:style>
-          <a:lnRef idx="2">
-            <a:schemeClr val="accent6">
-              <a:shade val="50000"/>
-            </a:schemeClr>
-          </a:lnRef>
-          <a:fillRef idx="1">
-            <a:schemeClr val="accent6"/>
-          </a:fillRef>
-          <a:effectRef idx="0">
-            <a:schemeClr val="accent6"/>
-          </a:effectRef>
-          <a:fontRef idx="minor">
-            <a:schemeClr val="lt1"/>
-          </a:fontRef>
-        </p:style>
-        <p:txBody>
-          <a:bodyPr rtlCol="0" anchor="ctr"/>
-          <a:lstStyle/>
-          <a:p>
-            <a:pPr algn="ctr"/>
-            <a:r>
-              <a:rPr lang="en-US" sz="1600"/>
-              <a:t>2</a:t>
-            </a:r>
+            <a:endParaRPr lang="en-US" sz="1600"/>
           </a:p>
         </p:txBody>
       </p:sp>
     </p:spTree>
     <p:extLst>
       <p:ext uri="{BB962C8B-B14F-4D97-AF65-F5344CB8AC3E}">
-        <p14:creationId xmlns:p14="http://schemas.microsoft.com/office/powerpoint/2010/main" val="1570771532"/>
+        <p14:creationId xmlns:p14="http://schemas.microsoft.com/office/powerpoint/2010/main" val="994150295"/>
       </p:ext>
     </p:extLst>
   </p:cSld>
@@ -9083,7 +8894,7 @@
         </p:nvSpPr>
         <p:spPr>
           <a:xfrm>
-            <a:off x="457200" y="685800"/>
+            <a:off x="457200" y="533400"/>
             <a:ext cx="8305800" cy="707886"/>
           </a:xfrm>
           <a:prstGeom prst="rect">
@@ -9098,7 +8909,7 @@
           <a:p>
             <a:r>
               <a:rPr lang="en-US" sz="4000" b="1"/>
-              <a:t>Outline</a:t>
+              <a:t>What is Python?</a:t>
             </a:r>
             <a:endParaRPr lang="en-US" sz="2800" b="1"/>
           </a:p>
@@ -9112,86 +8923,76 @@
         </p:nvSpPr>
         <p:spPr>
           <a:xfrm>
-            <a:off x="430763" y="1474113"/>
-            <a:ext cx="8305800" cy="4154984"/>
+            <a:off x="430763" y="1447800"/>
+            <a:ext cx="8305800" cy="1938992"/>
           </a:xfrm>
           <a:prstGeom prst="rect">
             <a:avLst/>
           </a:prstGeom>
         </p:spPr>
         <p:txBody>
-          <a:bodyPr wrap="square">
+          <a:bodyPr wrap="square" anchor="t">
             <a:spAutoFit/>
           </a:bodyPr>
           <a:lstStyle/>
           <a:p>
             <a:r>
-              <a:rPr lang="en-US" sz="2400" b="1"/>
-              <a:t>What is Python?</a:t>
-            </a:r>
-          </a:p>
-          <a:p>
-            <a:r>
-              <a:rPr lang="en-US" sz="2400" b="1"/>
-              <a:t>Advantages of Python</a:t>
-            </a:r>
-          </a:p>
-          <a:p>
-            <a:r>
-              <a:rPr lang="en-US" sz="2400" b="1"/>
-              <a:t>How to Run Python</a:t>
-            </a:r>
-            <a:endParaRPr lang="en-US" sz="1600" b="1"/>
-          </a:p>
-          <a:p>
-            <a:r>
-              <a:rPr lang="en-US" sz="2400" b="1"/>
-              <a:t>Text Editors</a:t>
-            </a:r>
-          </a:p>
-          <a:p>
-            <a:r>
-              <a:rPr lang="en-US" sz="2400" b="1"/>
-              <a:t>IDEs</a:t>
-            </a:r>
-            <a:endParaRPr lang="en-US" sz="1600" b="1"/>
-          </a:p>
-          <a:p>
-            <a:r>
-              <a:rPr lang="en-US" sz="2400" b="1"/>
-              <a:t>Notebook Environments</a:t>
-            </a:r>
-          </a:p>
-          <a:p>
-            <a:r>
-              <a:rPr lang="en-US" sz="2400" b="1"/>
-              <a:t>How to Install Python….</a:t>
-            </a:r>
-          </a:p>
-          <a:p>
-            <a:r>
-              <a:rPr lang="en-US" sz="2400" b="1"/>
-              <a:t>Running our first code</a:t>
-            </a:r>
-          </a:p>
-          <a:p>
-            <a:r>
-              <a:rPr lang="en-US" sz="2400" b="1"/>
-              <a:t>Appendix: Installation Process</a:t>
-            </a:r>
-          </a:p>
-          <a:p>
-            <a:endParaRPr lang="en-US" sz="2400" b="1"/>
-          </a:p>
-          <a:p>
-            <a:endParaRPr lang="en-US" sz="2400" b="1"/>
-          </a:p>
-        </p:txBody>
-      </p:sp>
+              <a:rPr lang="en-US" sz="2400"/>
+              <a:t>Python is an interpreted, high-level, general-purpose programming language. It was created by Guido van Rossum and released in 1991.</a:t>
+            </a:r>
+          </a:p>
+          <a:p>
+            <a:endParaRPr lang="en-US" sz="2400">
+              <a:cs typeface="Calibri"/>
+            </a:endParaRPr>
+          </a:p>
+          <a:p>
+            <a:endParaRPr lang="en-US" sz="2400">
+              <a:cs typeface="Calibri"/>
+            </a:endParaRPr>
+          </a:p>
+        </p:txBody>
+      </p:sp>
+      <p:pic>
+        <p:nvPicPr>
+          <p:cNvPr id="8" name="Picture 7" descr="A picture containing clipart&#10;&#10;Description automatically generated">
+            <a:extLst>
+              <a:ext uri="{FF2B5EF4-FFF2-40B4-BE49-F238E27FC236}">
+                <a16:creationId xmlns:a16="http://schemas.microsoft.com/office/drawing/2014/main" id="{801FEF21-A66F-4F37-9A84-5ED8050723E0}"/>
+              </a:ext>
+            </a:extLst>
+          </p:cNvPr>
+          <p:cNvPicPr>
+            <a:picLocks noChangeAspect="1"/>
+          </p:cNvPicPr>
+          <p:nvPr/>
+        </p:nvPicPr>
+        <p:blipFill>
+          <a:blip r:embed="rId3">
+            <a:extLst>
+              <a:ext uri="{28A0092B-C50C-407E-A947-70E740481C1C}">
+                <a14:useLocalDpi xmlns:a14="http://schemas.microsoft.com/office/drawing/2010/main" val="0"/>
+              </a:ext>
+            </a:extLst>
+          </a:blip>
+          <a:stretch>
+            <a:fillRect/>
+          </a:stretch>
+        </p:blipFill>
+        <p:spPr>
+          <a:xfrm>
+            <a:off x="3771900" y="3424989"/>
+            <a:ext cx="1676400" cy="1985211"/>
+          </a:xfrm>
+          <a:prstGeom prst="rect">
+            <a:avLst/>
+          </a:prstGeom>
+        </p:spPr>
+      </p:pic>
     </p:spTree>
     <p:extLst>
       <p:ext uri="{BB962C8B-B14F-4D97-AF65-F5344CB8AC3E}">
-        <p14:creationId xmlns:p14="http://schemas.microsoft.com/office/powerpoint/2010/main" val="1673971469"/>
+        <p14:creationId xmlns:p14="http://schemas.microsoft.com/office/powerpoint/2010/main" val="2360603957"/>
       </p:ext>
     </p:extLst>
   </p:cSld>
@@ -9290,10 +9091,10 @@
       </p:sp>
       <p:pic>
         <p:nvPicPr>
-          <p:cNvPr id="4" name="Picture 3">
+          <p:cNvPr id="2" name="Picture 1">
             <a:extLst>
               <a:ext uri="{FF2B5EF4-FFF2-40B4-BE49-F238E27FC236}">
-                <a16:creationId xmlns:a16="http://schemas.microsoft.com/office/drawing/2014/main" id="{3EC88634-0DA5-4C89-926D-5B3FCACA030B}"/>
+                <a16:creationId xmlns:a16="http://schemas.microsoft.com/office/drawing/2014/main" id="{5CFEF9FB-4FF1-46E1-A803-5931A760E9F9}"/>
               </a:ext>
             </a:extLst>
           </p:cNvPr>
@@ -9310,7 +9111,7 @@
         </p:blipFill>
         <p:spPr>
           <a:xfrm>
-            <a:off x="2233612" y="2089150"/>
+            <a:off x="2195512" y="2057400"/>
             <a:ext cx="4752975" cy="3695700"/>
           </a:xfrm>
           <a:prstGeom prst="rect">
@@ -9320,10 +9121,10 @@
       </p:pic>
       <p:sp>
         <p:nvSpPr>
-          <p:cNvPr id="9" name="Arrow: Right 8">
+          <p:cNvPr id="7" name="Arrow: Right 6">
             <a:extLst>
               <a:ext uri="{FF2B5EF4-FFF2-40B4-BE49-F238E27FC236}">
-                <a16:creationId xmlns:a16="http://schemas.microsoft.com/office/drawing/2014/main" id="{243C8751-816A-4BE4-92CC-56BC7EAD905B}"/>
+                <a16:creationId xmlns:a16="http://schemas.microsoft.com/office/drawing/2014/main" id="{D61F4C99-F8E9-44FA-AFC8-1139D3D68B46}"/>
               </a:ext>
             </a:extLst>
           </p:cNvPr>
@@ -9331,8 +9132,8 @@
           <p:nvPr/>
         </p:nvSpPr>
         <p:spPr>
-          <a:xfrm rot="5400000">
-            <a:off x="5511800" y="5010150"/>
+          <a:xfrm>
+            <a:off x="1943100" y="3758890"/>
             <a:ext cx="381000" cy="584200"/>
           </a:xfrm>
           <a:prstGeom prst="rightArrow">
@@ -9360,14 +9161,66 @@
           <a:lstStyle/>
           <a:p>
             <a:pPr algn="ctr"/>
-            <a:endParaRPr lang="en-US" sz="1600"/>
+            <a:r>
+              <a:rPr lang="en-US" sz="1600"/>
+              <a:t>1</a:t>
+            </a:r>
+          </a:p>
+        </p:txBody>
+      </p:sp>
+      <p:sp>
+        <p:nvSpPr>
+          <p:cNvPr id="8" name="Arrow: Right 7">
+            <a:extLst>
+              <a:ext uri="{FF2B5EF4-FFF2-40B4-BE49-F238E27FC236}">
+                <a16:creationId xmlns:a16="http://schemas.microsoft.com/office/drawing/2014/main" id="{4F97E1AC-BD28-4F53-BD62-409ABD111871}"/>
+              </a:ext>
+            </a:extLst>
+          </p:cNvPr>
+          <p:cNvSpPr/>
+          <p:nvPr/>
+        </p:nvSpPr>
+        <p:spPr>
+          <a:xfrm>
+            <a:off x="4876800" y="5226050"/>
+            <a:ext cx="381000" cy="584200"/>
+          </a:xfrm>
+          <a:prstGeom prst="rightArrow">
+            <a:avLst/>
+          </a:prstGeom>
+        </p:spPr>
+        <p:style>
+          <a:lnRef idx="2">
+            <a:schemeClr val="accent6">
+              <a:shade val="50000"/>
+            </a:schemeClr>
+          </a:lnRef>
+          <a:fillRef idx="1">
+            <a:schemeClr val="accent6"/>
+          </a:fillRef>
+          <a:effectRef idx="0">
+            <a:schemeClr val="accent6"/>
+          </a:effectRef>
+          <a:fontRef idx="minor">
+            <a:schemeClr val="lt1"/>
+          </a:fontRef>
+        </p:style>
+        <p:txBody>
+          <a:bodyPr rtlCol="0" anchor="ctr"/>
+          <a:lstStyle/>
+          <a:p>
+            <a:pPr algn="ctr"/>
+            <a:r>
+              <a:rPr lang="en-US" sz="1600"/>
+              <a:t>2</a:t>
+            </a:r>
           </a:p>
         </p:txBody>
       </p:sp>
     </p:spTree>
     <p:extLst>
       <p:ext uri="{BB962C8B-B14F-4D97-AF65-F5344CB8AC3E}">
-        <p14:creationId xmlns:p14="http://schemas.microsoft.com/office/powerpoint/2010/main" val="994150295"/>
+        <p14:creationId xmlns:p14="http://schemas.microsoft.com/office/powerpoint/2010/main" val="3452985482"/>
       </p:ext>
     </p:extLst>
   </p:cSld>
@@ -9466,10 +9319,10 @@
       </p:sp>
       <p:pic>
         <p:nvPicPr>
-          <p:cNvPr id="2" name="Picture 1">
+          <p:cNvPr id="3" name="Picture 2">
             <a:extLst>
               <a:ext uri="{FF2B5EF4-FFF2-40B4-BE49-F238E27FC236}">
-                <a16:creationId xmlns:a16="http://schemas.microsoft.com/office/drawing/2014/main" id="{5CFEF9FB-4FF1-46E1-A803-5931A760E9F9}"/>
+                <a16:creationId xmlns:a16="http://schemas.microsoft.com/office/drawing/2014/main" id="{04AAB21B-27D4-4403-AE5E-B2C75B70F689}"/>
               </a:ext>
             </a:extLst>
           </p:cNvPr>
@@ -9486,7 +9339,7 @@
         </p:blipFill>
         <p:spPr>
           <a:xfrm>
-            <a:off x="2195512" y="2057400"/>
+            <a:off x="2195512" y="2171700"/>
             <a:ext cx="4752975" cy="3695700"/>
           </a:xfrm>
           <a:prstGeom prst="rect">
@@ -9496,10 +9349,10 @@
       </p:pic>
       <p:sp>
         <p:nvSpPr>
-          <p:cNvPr id="7" name="Arrow: Right 6">
+          <p:cNvPr id="11" name="Arrow: Right 10">
             <a:extLst>
               <a:ext uri="{FF2B5EF4-FFF2-40B4-BE49-F238E27FC236}">
-                <a16:creationId xmlns:a16="http://schemas.microsoft.com/office/drawing/2014/main" id="{D61F4C99-F8E9-44FA-AFC8-1139D3D68B46}"/>
+                <a16:creationId xmlns:a16="http://schemas.microsoft.com/office/drawing/2014/main" id="{16B1C093-AD4E-4DDA-B034-6E1A3AE38540}"/>
               </a:ext>
             </a:extLst>
           </p:cNvPr>
@@ -9508,7 +9361,7 @@
         </p:nvSpPr>
         <p:spPr>
           <a:xfrm>
-            <a:off x="1943100" y="3758890"/>
+            <a:off x="4876800" y="5359400"/>
             <a:ext cx="381000" cy="584200"/>
           </a:xfrm>
           <a:prstGeom prst="rightArrow">
@@ -9538,17 +9391,17 @@
             <a:pPr algn="ctr"/>
             <a:r>
               <a:rPr lang="en-US" sz="1600"/>
-              <a:t>1</a:t>
-            </a:r>
-          </a:p>
-        </p:txBody>
-      </p:sp>
-      <p:sp>
-        <p:nvSpPr>
-          <p:cNvPr id="8" name="Arrow: Right 7">
+              <a:t>2</a:t>
+            </a:r>
+          </a:p>
+        </p:txBody>
+      </p:sp>
+      <p:sp>
+        <p:nvSpPr>
+          <p:cNvPr id="12" name="Arrow: Right 11">
             <a:extLst>
               <a:ext uri="{FF2B5EF4-FFF2-40B4-BE49-F238E27FC236}">
-                <a16:creationId xmlns:a16="http://schemas.microsoft.com/office/drawing/2014/main" id="{4F97E1AC-BD28-4F53-BD62-409ABD111871}"/>
+                <a16:creationId xmlns:a16="http://schemas.microsoft.com/office/drawing/2014/main" id="{AE7CD5C0-1945-412A-B485-7CC7678874D2}"/>
               </a:ext>
             </a:extLst>
           </p:cNvPr>
@@ -9557,7 +9410,7 @@
         </p:nvSpPr>
         <p:spPr>
           <a:xfrm>
-            <a:off x="4876800" y="5226050"/>
+            <a:off x="2119312" y="4205357"/>
             <a:ext cx="381000" cy="584200"/>
           </a:xfrm>
           <a:prstGeom prst="rightArrow">
@@ -9587,15 +9440,56 @@
             <a:pPr algn="ctr"/>
             <a:r>
               <a:rPr lang="en-US" sz="1600"/>
-              <a:t>2</a:t>
-            </a:r>
+              <a:t>1</a:t>
+            </a:r>
+          </a:p>
+        </p:txBody>
+      </p:sp>
+      <p:sp>
+        <p:nvSpPr>
+          <p:cNvPr id="13" name="Rectangle 12">
+            <a:extLst>
+              <a:ext uri="{FF2B5EF4-FFF2-40B4-BE49-F238E27FC236}">
+                <a16:creationId xmlns:a16="http://schemas.microsoft.com/office/drawing/2014/main" id="{B89DA3F5-C15A-4395-B8D2-7D6494A38101}"/>
+              </a:ext>
+            </a:extLst>
+          </p:cNvPr>
+          <p:cNvSpPr/>
+          <p:nvPr/>
+        </p:nvSpPr>
+        <p:spPr>
+          <a:xfrm>
+            <a:off x="430763" y="1447800"/>
+            <a:ext cx="8305800" cy="830997"/>
+          </a:xfrm>
+          <a:prstGeom prst="rect">
+            <a:avLst/>
+          </a:prstGeom>
+        </p:spPr>
+        <p:txBody>
+          <a:bodyPr wrap="square">
+            <a:spAutoFit/>
+          </a:bodyPr>
+          <a:lstStyle/>
+          <a:p>
+            <a:r>
+              <a:rPr lang="en-US" sz="2400"/>
+              <a:t>You can change the installation path or leave it as it is.</a:t>
+            </a:r>
+          </a:p>
+          <a:p>
+            <a:pPr marL="342900" indent="-342900">
+              <a:buFont typeface="Arial" panose="020B0604020202020204" pitchFamily="34" charset="0"/>
+              <a:buChar char="•"/>
+            </a:pPr>
+            <a:endParaRPr lang="en-US" sz="2400"/>
           </a:p>
         </p:txBody>
       </p:sp>
     </p:spTree>
     <p:extLst>
       <p:ext uri="{BB962C8B-B14F-4D97-AF65-F5344CB8AC3E}">
-        <p14:creationId xmlns:p14="http://schemas.microsoft.com/office/powerpoint/2010/main" val="3452985482"/>
+        <p14:creationId xmlns:p14="http://schemas.microsoft.com/office/powerpoint/2010/main" val="3639425071"/>
       </p:ext>
     </p:extLst>
   </p:cSld>
@@ -9694,10 +9588,10 @@
       </p:sp>
       <p:pic>
         <p:nvPicPr>
-          <p:cNvPr id="3" name="Picture 2">
+          <p:cNvPr id="2" name="Picture 1">
             <a:extLst>
               <a:ext uri="{FF2B5EF4-FFF2-40B4-BE49-F238E27FC236}">
-                <a16:creationId xmlns:a16="http://schemas.microsoft.com/office/drawing/2014/main" id="{04AAB21B-27D4-4403-AE5E-B2C75B70F689}"/>
+                <a16:creationId xmlns:a16="http://schemas.microsoft.com/office/drawing/2014/main" id="{030CD19C-DFD0-4E37-8580-520421D238E7}"/>
               </a:ext>
             </a:extLst>
           </p:cNvPr>
@@ -9714,7 +9608,7 @@
         </p:blipFill>
         <p:spPr>
           <a:xfrm>
-            <a:off x="2195512" y="2171700"/>
+            <a:off x="2195512" y="1877943"/>
             <a:ext cx="4752975" cy="3695700"/>
           </a:xfrm>
           <a:prstGeom prst="rect">
@@ -9724,10 +9618,10 @@
       </p:pic>
       <p:sp>
         <p:nvSpPr>
-          <p:cNvPr id="11" name="Arrow: Right 10">
+          <p:cNvPr id="9" name="Arrow: Right 8">
             <a:extLst>
               <a:ext uri="{FF2B5EF4-FFF2-40B4-BE49-F238E27FC236}">
-                <a16:creationId xmlns:a16="http://schemas.microsoft.com/office/drawing/2014/main" id="{16B1C093-AD4E-4DDA-B034-6E1A3AE38540}"/>
+                <a16:creationId xmlns:a16="http://schemas.microsoft.com/office/drawing/2014/main" id="{7DA7790A-1D97-4E71-A626-46E0D7E42C97}"/>
               </a:ext>
             </a:extLst>
           </p:cNvPr>
@@ -9736,7 +9630,7 @@
         </p:nvSpPr>
         <p:spPr>
           <a:xfrm>
-            <a:off x="4876800" y="5359400"/>
+            <a:off x="4876800" y="5067300"/>
             <a:ext cx="381000" cy="584200"/>
           </a:xfrm>
           <a:prstGeom prst="rightArrow">
@@ -9764,107 +9658,14 @@
           <a:lstStyle/>
           <a:p>
             <a:pPr algn="ctr"/>
-            <a:r>
-              <a:rPr lang="en-US" sz="1600"/>
-              <a:t>2</a:t>
-            </a:r>
-          </a:p>
-        </p:txBody>
-      </p:sp>
-      <p:sp>
-        <p:nvSpPr>
-          <p:cNvPr id="12" name="Arrow: Right 11">
-            <a:extLst>
-              <a:ext uri="{FF2B5EF4-FFF2-40B4-BE49-F238E27FC236}">
-                <a16:creationId xmlns:a16="http://schemas.microsoft.com/office/drawing/2014/main" id="{AE7CD5C0-1945-412A-B485-7CC7678874D2}"/>
-              </a:ext>
-            </a:extLst>
-          </p:cNvPr>
-          <p:cNvSpPr/>
-          <p:nvPr/>
-        </p:nvSpPr>
-        <p:spPr>
-          <a:xfrm>
-            <a:off x="2119312" y="4205357"/>
-            <a:ext cx="381000" cy="584200"/>
-          </a:xfrm>
-          <a:prstGeom prst="rightArrow">
-            <a:avLst/>
-          </a:prstGeom>
-        </p:spPr>
-        <p:style>
-          <a:lnRef idx="2">
-            <a:schemeClr val="accent6">
-              <a:shade val="50000"/>
-            </a:schemeClr>
-          </a:lnRef>
-          <a:fillRef idx="1">
-            <a:schemeClr val="accent6"/>
-          </a:fillRef>
-          <a:effectRef idx="0">
-            <a:schemeClr val="accent6"/>
-          </a:effectRef>
-          <a:fontRef idx="minor">
-            <a:schemeClr val="lt1"/>
-          </a:fontRef>
-        </p:style>
-        <p:txBody>
-          <a:bodyPr rtlCol="0" anchor="ctr"/>
-          <a:lstStyle/>
-          <a:p>
-            <a:pPr algn="ctr"/>
-            <a:r>
-              <a:rPr lang="en-US" sz="1600"/>
-              <a:t>1</a:t>
-            </a:r>
-          </a:p>
-        </p:txBody>
-      </p:sp>
-      <p:sp>
-        <p:nvSpPr>
-          <p:cNvPr id="13" name="Rectangle 12">
-            <a:extLst>
-              <a:ext uri="{FF2B5EF4-FFF2-40B4-BE49-F238E27FC236}">
-                <a16:creationId xmlns:a16="http://schemas.microsoft.com/office/drawing/2014/main" id="{B89DA3F5-C15A-4395-B8D2-7D6494A38101}"/>
-              </a:ext>
-            </a:extLst>
-          </p:cNvPr>
-          <p:cNvSpPr/>
-          <p:nvPr/>
-        </p:nvSpPr>
-        <p:spPr>
-          <a:xfrm>
-            <a:off x="430763" y="1447800"/>
-            <a:ext cx="8305800" cy="830997"/>
-          </a:xfrm>
-          <a:prstGeom prst="rect">
-            <a:avLst/>
-          </a:prstGeom>
-        </p:spPr>
-        <p:txBody>
-          <a:bodyPr wrap="square">
-            <a:spAutoFit/>
-          </a:bodyPr>
-          <a:lstStyle/>
-          <a:p>
-            <a:r>
-              <a:rPr lang="en-US" sz="2400"/>
-              <a:t>You can change the installation path or leave it as it is.</a:t>
-            </a:r>
-          </a:p>
-          <a:p>
-            <a:pPr marL="342900" indent="-342900">
-              <a:buFont typeface="Arial" panose="020B0604020202020204" pitchFamily="34" charset="0"/>
-              <a:buChar char="•"/>
-            </a:pPr>
-            <a:endParaRPr lang="en-US" sz="2400"/>
+            <a:endParaRPr lang="en-US" sz="1600"/>
           </a:p>
         </p:txBody>
       </p:sp>
     </p:spTree>
     <p:extLst>
       <p:ext uri="{BB962C8B-B14F-4D97-AF65-F5344CB8AC3E}">
-        <p14:creationId xmlns:p14="http://schemas.microsoft.com/office/powerpoint/2010/main" val="3639425071"/>
+        <p14:creationId xmlns:p14="http://schemas.microsoft.com/office/powerpoint/2010/main" val="1844002467"/>
       </p:ext>
     </p:extLst>
   </p:cSld>
@@ -9963,10 +9764,10 @@
       </p:sp>
       <p:pic>
         <p:nvPicPr>
-          <p:cNvPr id="2" name="Picture 1">
+          <p:cNvPr id="3" name="Picture 2">
             <a:extLst>
               <a:ext uri="{FF2B5EF4-FFF2-40B4-BE49-F238E27FC236}">
-                <a16:creationId xmlns:a16="http://schemas.microsoft.com/office/drawing/2014/main" id="{030CD19C-DFD0-4E37-8580-520421D238E7}"/>
+                <a16:creationId xmlns:a16="http://schemas.microsoft.com/office/drawing/2014/main" id="{DBE8B222-6E70-46B5-88CC-21FBA9D4F4E8}"/>
               </a:ext>
             </a:extLst>
           </p:cNvPr>
@@ -9983,7 +9784,7 @@
         </p:blipFill>
         <p:spPr>
           <a:xfrm>
-            <a:off x="2195512" y="1877943"/>
+            <a:off x="2233612" y="1896993"/>
             <a:ext cx="4752975" cy="3695700"/>
           </a:xfrm>
           <a:prstGeom prst="rect">
@@ -9991,56 +9792,10 @@
           </a:prstGeom>
         </p:spPr>
       </p:pic>
-      <p:sp>
-        <p:nvSpPr>
-          <p:cNvPr id="9" name="Arrow: Right 8">
-            <a:extLst>
-              <a:ext uri="{FF2B5EF4-FFF2-40B4-BE49-F238E27FC236}">
-                <a16:creationId xmlns:a16="http://schemas.microsoft.com/office/drawing/2014/main" id="{7DA7790A-1D97-4E71-A626-46E0D7E42C97}"/>
-              </a:ext>
-            </a:extLst>
-          </p:cNvPr>
-          <p:cNvSpPr/>
-          <p:nvPr/>
-        </p:nvSpPr>
-        <p:spPr>
-          <a:xfrm>
-            <a:off x="4876800" y="5067300"/>
-            <a:ext cx="381000" cy="584200"/>
-          </a:xfrm>
-          <a:prstGeom prst="rightArrow">
-            <a:avLst/>
-          </a:prstGeom>
-        </p:spPr>
-        <p:style>
-          <a:lnRef idx="2">
-            <a:schemeClr val="accent6">
-              <a:shade val="50000"/>
-            </a:schemeClr>
-          </a:lnRef>
-          <a:fillRef idx="1">
-            <a:schemeClr val="accent6"/>
-          </a:fillRef>
-          <a:effectRef idx="0">
-            <a:schemeClr val="accent6"/>
-          </a:effectRef>
-          <a:fontRef idx="minor">
-            <a:schemeClr val="lt1"/>
-          </a:fontRef>
-        </p:style>
-        <p:txBody>
-          <a:bodyPr rtlCol="0" anchor="ctr"/>
-          <a:lstStyle/>
-          <a:p>
-            <a:pPr algn="ctr"/>
-            <a:endParaRPr lang="en-US" sz="1600"/>
-          </a:p>
-        </p:txBody>
-      </p:sp>
     </p:spTree>
     <p:extLst>
       <p:ext uri="{BB962C8B-B14F-4D97-AF65-F5344CB8AC3E}">
-        <p14:creationId xmlns:p14="http://schemas.microsoft.com/office/powerpoint/2010/main" val="1844002467"/>
+        <p14:creationId xmlns:p14="http://schemas.microsoft.com/office/powerpoint/2010/main" val="540487241"/>
       </p:ext>
     </p:extLst>
   </p:cSld>
@@ -10139,10 +9894,10 @@
       </p:sp>
       <p:pic>
         <p:nvPicPr>
-          <p:cNvPr id="3" name="Picture 2">
+          <p:cNvPr id="2" name="Picture 1">
             <a:extLst>
               <a:ext uri="{FF2B5EF4-FFF2-40B4-BE49-F238E27FC236}">
-                <a16:creationId xmlns:a16="http://schemas.microsoft.com/office/drawing/2014/main" id="{DBE8B222-6E70-46B5-88CC-21FBA9D4F4E8}"/>
+                <a16:creationId xmlns:a16="http://schemas.microsoft.com/office/drawing/2014/main" id="{57C5E7B7-389C-4DF3-95D5-8C08D4BD3D41}"/>
               </a:ext>
             </a:extLst>
           </p:cNvPr>
@@ -10170,7 +9925,7 @@
     </p:spTree>
     <p:extLst>
       <p:ext uri="{BB962C8B-B14F-4D97-AF65-F5344CB8AC3E}">
-        <p14:creationId xmlns:p14="http://schemas.microsoft.com/office/powerpoint/2010/main" val="540487241"/>
+        <p14:creationId xmlns:p14="http://schemas.microsoft.com/office/powerpoint/2010/main" val="2656910216"/>
       </p:ext>
     </p:extLst>
   </p:cSld>
@@ -10269,10 +10024,10 @@
       </p:sp>
       <p:pic>
         <p:nvPicPr>
-          <p:cNvPr id="2" name="Picture 1">
+          <p:cNvPr id="3" name="Picture 2">
             <a:extLst>
               <a:ext uri="{FF2B5EF4-FFF2-40B4-BE49-F238E27FC236}">
-                <a16:creationId xmlns:a16="http://schemas.microsoft.com/office/drawing/2014/main" id="{57C5E7B7-389C-4DF3-95D5-8C08D4BD3D41}"/>
+                <a16:creationId xmlns:a16="http://schemas.microsoft.com/office/drawing/2014/main" id="{368625A9-738D-4A75-A7A0-4F773FD16CD2}"/>
               </a:ext>
             </a:extLst>
           </p:cNvPr>
@@ -10289,7 +10044,7 @@
         </p:blipFill>
         <p:spPr>
           <a:xfrm>
-            <a:off x="2233612" y="1896993"/>
+            <a:off x="2195512" y="1881118"/>
             <a:ext cx="4752975" cy="3695700"/>
           </a:xfrm>
           <a:prstGeom prst="rect">
@@ -10297,10 +10052,56 @@
           </a:prstGeom>
         </p:spPr>
       </p:pic>
+      <p:sp>
+        <p:nvSpPr>
+          <p:cNvPr id="7" name="Arrow: Right 6">
+            <a:extLst>
+              <a:ext uri="{FF2B5EF4-FFF2-40B4-BE49-F238E27FC236}">
+                <a16:creationId xmlns:a16="http://schemas.microsoft.com/office/drawing/2014/main" id="{97557C24-16DF-4CEF-99B0-E6376944DAEE}"/>
+              </a:ext>
+            </a:extLst>
+          </p:cNvPr>
+          <p:cNvSpPr/>
+          <p:nvPr/>
+        </p:nvSpPr>
+        <p:spPr>
+          <a:xfrm>
+            <a:off x="4876800" y="5062468"/>
+            <a:ext cx="381000" cy="584200"/>
+          </a:xfrm>
+          <a:prstGeom prst="rightArrow">
+            <a:avLst/>
+          </a:prstGeom>
+        </p:spPr>
+        <p:style>
+          <a:lnRef idx="2">
+            <a:schemeClr val="accent6">
+              <a:shade val="50000"/>
+            </a:schemeClr>
+          </a:lnRef>
+          <a:fillRef idx="1">
+            <a:schemeClr val="accent6"/>
+          </a:fillRef>
+          <a:effectRef idx="0">
+            <a:schemeClr val="accent6"/>
+          </a:effectRef>
+          <a:fontRef idx="minor">
+            <a:schemeClr val="lt1"/>
+          </a:fontRef>
+        </p:style>
+        <p:txBody>
+          <a:bodyPr rtlCol="0" anchor="ctr"/>
+          <a:lstStyle/>
+          <a:p>
+            <a:pPr algn="ctr"/>
+            <a:endParaRPr lang="en-US" sz="1600"/>
+          </a:p>
+        </p:txBody>
+      </p:sp>
     </p:spTree>
     <p:extLst>
       <p:ext uri="{BB962C8B-B14F-4D97-AF65-F5344CB8AC3E}">
-        <p14:creationId xmlns:p14="http://schemas.microsoft.com/office/powerpoint/2010/main" val="2656910216"/>
+        <p14:creationId xmlns:p14="http://schemas.microsoft.com/office/powerpoint/2010/main" val="1065131338"/>
       </p:ext>
     </p:extLst>
   </p:cSld>
@@ -10399,10 +10200,10 @@
       </p:sp>
       <p:pic>
         <p:nvPicPr>
-          <p:cNvPr id="3" name="Picture 2">
+          <p:cNvPr id="2" name="Picture 1">
             <a:extLst>
               <a:ext uri="{FF2B5EF4-FFF2-40B4-BE49-F238E27FC236}">
-                <a16:creationId xmlns:a16="http://schemas.microsoft.com/office/drawing/2014/main" id="{368625A9-738D-4A75-A7A0-4F773FD16CD2}"/>
+                <a16:creationId xmlns:a16="http://schemas.microsoft.com/office/drawing/2014/main" id="{73CE6C5F-0C0B-4079-90F4-D94B75379A70}"/>
               </a:ext>
             </a:extLst>
           </p:cNvPr>
@@ -10419,7 +10220,7 @@
         </p:blipFill>
         <p:spPr>
           <a:xfrm>
-            <a:off x="2195512" y="1881118"/>
+            <a:off x="2195512" y="2057400"/>
             <a:ext cx="4752975" cy="3695700"/>
           </a:xfrm>
           <a:prstGeom prst="rect">
@@ -10429,10 +10230,10 @@
       </p:pic>
       <p:sp>
         <p:nvSpPr>
-          <p:cNvPr id="7" name="Arrow: Right 6">
+          <p:cNvPr id="8" name="Arrow: Right 7">
             <a:extLst>
               <a:ext uri="{FF2B5EF4-FFF2-40B4-BE49-F238E27FC236}">
-                <a16:creationId xmlns:a16="http://schemas.microsoft.com/office/drawing/2014/main" id="{97557C24-16DF-4CEF-99B0-E6376944DAEE}"/>
+                <a16:creationId xmlns:a16="http://schemas.microsoft.com/office/drawing/2014/main" id="{3E59149C-AA86-4C12-9587-40B3E12152C0}"/>
               </a:ext>
             </a:extLst>
           </p:cNvPr>
@@ -10441,7 +10242,7 @@
         </p:nvSpPr>
         <p:spPr>
           <a:xfrm>
-            <a:off x="4876800" y="5062468"/>
+            <a:off x="4876800" y="5226050"/>
             <a:ext cx="381000" cy="584200"/>
           </a:xfrm>
           <a:prstGeom prst="rightArrow">
@@ -10476,7 +10277,7 @@
     </p:spTree>
     <p:extLst>
       <p:ext uri="{BB962C8B-B14F-4D97-AF65-F5344CB8AC3E}">
-        <p14:creationId xmlns:p14="http://schemas.microsoft.com/office/powerpoint/2010/main" val="1065131338"/>
+        <p14:creationId xmlns:p14="http://schemas.microsoft.com/office/powerpoint/2010/main" val="2477491226"/>
       </p:ext>
     </p:extLst>
   </p:cSld>
@@ -10575,10 +10376,10 @@
       </p:sp>
       <p:pic>
         <p:nvPicPr>
-          <p:cNvPr id="2" name="Picture 1">
+          <p:cNvPr id="3" name="Picture 2">
             <a:extLst>
               <a:ext uri="{FF2B5EF4-FFF2-40B4-BE49-F238E27FC236}">
-                <a16:creationId xmlns:a16="http://schemas.microsoft.com/office/drawing/2014/main" id="{73CE6C5F-0C0B-4079-90F4-D94B75379A70}"/>
+                <a16:creationId xmlns:a16="http://schemas.microsoft.com/office/drawing/2014/main" id="{A1BC3D35-A55C-42E2-A63D-FB9AD1EE619F}"/>
               </a:ext>
             </a:extLst>
           </p:cNvPr>
@@ -10595,7 +10396,7 @@
         </p:blipFill>
         <p:spPr>
           <a:xfrm>
-            <a:off x="2195512" y="2057400"/>
+            <a:off x="2195512" y="2063750"/>
             <a:ext cx="4752975" cy="3695700"/>
           </a:xfrm>
           <a:prstGeom prst="rect">
@@ -10605,10 +10406,10 @@
       </p:pic>
       <p:sp>
         <p:nvSpPr>
-          <p:cNvPr id="8" name="Arrow: Right 7">
+          <p:cNvPr id="7" name="Arrow: Right 6">
             <a:extLst>
               <a:ext uri="{FF2B5EF4-FFF2-40B4-BE49-F238E27FC236}">
-                <a16:creationId xmlns:a16="http://schemas.microsoft.com/office/drawing/2014/main" id="{3E59149C-AA86-4C12-9587-40B3E12152C0}"/>
+                <a16:creationId xmlns:a16="http://schemas.microsoft.com/office/drawing/2014/main" id="{FB99B90E-D3A9-45AA-8927-78DA50853BB3}"/>
               </a:ext>
             </a:extLst>
           </p:cNvPr>
@@ -10617,7 +10418,7 @@
         </p:nvSpPr>
         <p:spPr>
           <a:xfrm>
-            <a:off x="4876800" y="5226050"/>
+            <a:off x="4819650" y="5232400"/>
             <a:ext cx="381000" cy="584200"/>
           </a:xfrm>
           <a:prstGeom prst="rightArrow">
@@ -10652,7 +10453,7 @@
     </p:spTree>
     <p:extLst>
       <p:ext uri="{BB962C8B-B14F-4D97-AF65-F5344CB8AC3E}">
-        <p14:creationId xmlns:p14="http://schemas.microsoft.com/office/powerpoint/2010/main" val="2477491226"/>
+        <p14:creationId xmlns:p14="http://schemas.microsoft.com/office/powerpoint/2010/main" val="1181525890"/>
       </p:ext>
     </p:extLst>
   </p:cSld>
@@ -10751,10 +10552,11 @@
       </p:sp>
       <p:pic>
         <p:nvPicPr>
-          <p:cNvPr id="3" name="Picture 2">
+          <p:cNvPr id="2" name="Picture 1">
+            <a:hlinkClick r:id="rId3"/>
             <a:extLst>
               <a:ext uri="{FF2B5EF4-FFF2-40B4-BE49-F238E27FC236}">
-                <a16:creationId xmlns:a16="http://schemas.microsoft.com/office/drawing/2014/main" id="{A1BC3D35-A55C-42E2-A63D-FB9AD1EE619F}"/>
+                <a16:creationId xmlns:a16="http://schemas.microsoft.com/office/drawing/2014/main" id="{7A047416-C7CC-4410-A2C6-672D954DDC62}"/>
               </a:ext>
             </a:extLst>
           </p:cNvPr>
@@ -10764,71 +10566,25 @@
           <p:nvPr/>
         </p:nvPicPr>
         <p:blipFill>
-          <a:blip r:embed="rId3"/>
+          <a:blip r:embed="rId4"/>
           <a:stretch>
             <a:fillRect/>
           </a:stretch>
         </p:blipFill>
         <p:spPr>
           <a:xfrm>
-            <a:off x="2195512" y="2063750"/>
-            <a:ext cx="4752975" cy="3695700"/>
+            <a:off x="552007" y="1563618"/>
+            <a:ext cx="8116186" cy="4362450"/>
           </a:xfrm>
           <a:prstGeom prst="rect">
             <a:avLst/>
           </a:prstGeom>
         </p:spPr>
       </p:pic>
-      <p:sp>
-        <p:nvSpPr>
-          <p:cNvPr id="7" name="Arrow: Right 6">
-            <a:extLst>
-              <a:ext uri="{FF2B5EF4-FFF2-40B4-BE49-F238E27FC236}">
-                <a16:creationId xmlns:a16="http://schemas.microsoft.com/office/drawing/2014/main" id="{FB99B90E-D3A9-45AA-8927-78DA50853BB3}"/>
-              </a:ext>
-            </a:extLst>
-          </p:cNvPr>
-          <p:cNvSpPr/>
-          <p:nvPr/>
-        </p:nvSpPr>
-        <p:spPr>
-          <a:xfrm>
-            <a:off x="4819650" y="5232400"/>
-            <a:ext cx="381000" cy="584200"/>
-          </a:xfrm>
-          <a:prstGeom prst="rightArrow">
-            <a:avLst/>
-          </a:prstGeom>
-        </p:spPr>
-        <p:style>
-          <a:lnRef idx="2">
-            <a:schemeClr val="accent6">
-              <a:shade val="50000"/>
-            </a:schemeClr>
-          </a:lnRef>
-          <a:fillRef idx="1">
-            <a:schemeClr val="accent6"/>
-          </a:fillRef>
-          <a:effectRef idx="0">
-            <a:schemeClr val="accent6"/>
-          </a:effectRef>
-          <a:fontRef idx="minor">
-            <a:schemeClr val="lt1"/>
-          </a:fontRef>
-        </p:style>
-        <p:txBody>
-          <a:bodyPr rtlCol="0" anchor="ctr"/>
-          <a:lstStyle/>
-          <a:p>
-            <a:pPr algn="ctr"/>
-            <a:endParaRPr lang="en-US" sz="1600"/>
-          </a:p>
-        </p:txBody>
-      </p:sp>
     </p:spTree>
     <p:extLst>
       <p:ext uri="{BB962C8B-B14F-4D97-AF65-F5344CB8AC3E}">
-        <p14:creationId xmlns:p14="http://schemas.microsoft.com/office/powerpoint/2010/main" val="1181525890"/>
+        <p14:creationId xmlns:p14="http://schemas.microsoft.com/office/powerpoint/2010/main" val="660977056"/>
       </p:ext>
     </p:extLst>
   </p:cSld>
@@ -10867,311 +10623,6 @@
           <a:chExt cx="0" cy="0"/>
         </a:xfrm>
       </p:grpSpPr>
-      <p:sp>
-        <p:nvSpPr>
-          <p:cNvPr id="6" name="Slide Number Placeholder 8"/>
-          <p:cNvSpPr>
-            <a:spLocks noGrp="1"/>
-          </p:cNvSpPr>
-          <p:nvPr>
-            <p:ph type="sldNum" sz="quarter" idx="12"/>
-          </p:nvPr>
-        </p:nvSpPr>
-        <p:spPr>
-          <a:xfrm rot="16200000">
-            <a:off x="8496302" y="6362700"/>
-            <a:ext cx="609599" cy="381001"/>
-          </a:xfrm>
-        </p:spPr>
-        <p:txBody>
-          <a:bodyPr/>
-          <a:lstStyle/>
-          <a:p>
-            <a:fld id="{B6F15528-21DE-4FAA-801E-634DDDAF4B2B}" type="slidenum">
-              <a:rPr lang="en-US" sz="2400" smtClean="0"/>
-              <a:pPr/>
-              <a:t>29</a:t>
-            </a:fld>
-            <a:endParaRPr lang="en-US" sz="2400"/>
-          </a:p>
-        </p:txBody>
-      </p:sp>
-      <p:sp>
-        <p:nvSpPr>
-          <p:cNvPr id="19" name="Rectangle 18"/>
-          <p:cNvSpPr/>
-          <p:nvPr/>
-        </p:nvSpPr>
-        <p:spPr>
-          <a:xfrm>
-            <a:off x="457200" y="533400"/>
-            <a:ext cx="8305800" cy="707886"/>
-          </a:xfrm>
-          <a:prstGeom prst="rect">
-            <a:avLst/>
-          </a:prstGeom>
-        </p:spPr>
-        <p:txBody>
-          <a:bodyPr wrap="square">
-            <a:spAutoFit/>
-          </a:bodyPr>
-          <a:lstStyle/>
-          <a:p>
-            <a:r>
-              <a:rPr lang="en-US" sz="4000" b="1"/>
-              <a:t>Installation Process</a:t>
-            </a:r>
-            <a:endParaRPr lang="en-US" sz="2800" b="1"/>
-          </a:p>
-        </p:txBody>
-      </p:sp>
-      <p:pic>
-        <p:nvPicPr>
-          <p:cNvPr id="2" name="Picture 1">
-            <a:hlinkClick r:id="rId3"/>
-            <a:extLst>
-              <a:ext uri="{FF2B5EF4-FFF2-40B4-BE49-F238E27FC236}">
-                <a16:creationId xmlns:a16="http://schemas.microsoft.com/office/drawing/2014/main" id="{7A047416-C7CC-4410-A2C6-672D954DDC62}"/>
-              </a:ext>
-            </a:extLst>
-          </p:cNvPr>
-          <p:cNvPicPr>
-            <a:picLocks noChangeAspect="1"/>
-          </p:cNvPicPr>
-          <p:nvPr/>
-        </p:nvPicPr>
-        <p:blipFill>
-          <a:blip r:embed="rId4"/>
-          <a:stretch>
-            <a:fillRect/>
-          </a:stretch>
-        </p:blipFill>
-        <p:spPr>
-          <a:xfrm>
-            <a:off x="552007" y="1563618"/>
-            <a:ext cx="8116186" cy="4362450"/>
-          </a:xfrm>
-          <a:prstGeom prst="rect">
-            <a:avLst/>
-          </a:prstGeom>
-        </p:spPr>
-      </p:pic>
-    </p:spTree>
-    <p:extLst>
-      <p:ext uri="{BB962C8B-B14F-4D97-AF65-F5344CB8AC3E}">
-        <p14:creationId xmlns:p14="http://schemas.microsoft.com/office/powerpoint/2010/main" val="660977056"/>
-      </p:ext>
-    </p:extLst>
-  </p:cSld>
-  <p:clrMapOvr>
-    <a:masterClrMapping/>
-  </p:clrMapOvr>
-  <mc:AlternateContent xmlns:mc="http://schemas.openxmlformats.org/markup-compatibility/2006" xmlns:p14="http://schemas.microsoft.com/office/powerpoint/2010/main">
-    <mc:Choice Requires="p14">
-      <p:transition spd="med" p14:dur="700">
-        <p:fade/>
-      </p:transition>
-    </mc:Choice>
-    <mc:Fallback xmlns="">
-      <p:transition spd="med">
-        <p:fade/>
-      </p:transition>
-    </mc:Fallback>
-  </mc:AlternateContent>
-</p:sld>
-</file>
-
-<file path=ppt/slides/slide3.xml><?xml version="1.0" encoding="utf-8"?>
-<p:sld xmlns:a="http://schemas.openxmlformats.org/drawingml/2006/main" xmlns:r="http://schemas.openxmlformats.org/officeDocument/2006/relationships" xmlns:p="http://schemas.openxmlformats.org/presentationml/2006/main">
-  <p:cSld>
-    <p:spTree>
-      <p:nvGrpSpPr>
-        <p:cNvPr id="1" name=""/>
-        <p:cNvGrpSpPr/>
-        <p:nvPr/>
-      </p:nvGrpSpPr>
-      <p:grpSpPr>
-        <a:xfrm>
-          <a:off x="0" y="0"/>
-          <a:ext cx="0" cy="0"/>
-          <a:chOff x="0" y="0"/>
-          <a:chExt cx="0" cy="0"/>
-        </a:xfrm>
-      </p:grpSpPr>
-      <p:sp>
-        <p:nvSpPr>
-          <p:cNvPr id="6" name="Slide Number Placeholder 8"/>
-          <p:cNvSpPr>
-            <a:spLocks noGrp="1"/>
-          </p:cNvSpPr>
-          <p:nvPr>
-            <p:ph type="sldNum" sz="quarter" idx="12"/>
-          </p:nvPr>
-        </p:nvSpPr>
-        <p:spPr>
-          <a:xfrm rot="16200000">
-            <a:off x="8496302" y="6362700"/>
-            <a:ext cx="609599" cy="381001"/>
-          </a:xfrm>
-        </p:spPr>
-        <p:txBody>
-          <a:bodyPr/>
-          <a:lstStyle/>
-          <a:p>
-            <a:fld id="{B6F15528-21DE-4FAA-801E-634DDDAF4B2B}" type="slidenum">
-              <a:rPr lang="en-US" sz="2400" smtClean="0"/>
-              <a:pPr/>
-              <a:t>3</a:t>
-            </a:fld>
-            <a:endParaRPr lang="en-US" sz="2400"/>
-          </a:p>
-        </p:txBody>
-      </p:sp>
-      <p:sp>
-        <p:nvSpPr>
-          <p:cNvPr id="19" name="Rectangle 18"/>
-          <p:cNvSpPr/>
-          <p:nvPr/>
-        </p:nvSpPr>
-        <p:spPr>
-          <a:xfrm>
-            <a:off x="457200" y="533400"/>
-            <a:ext cx="8305800" cy="707886"/>
-          </a:xfrm>
-          <a:prstGeom prst="rect">
-            <a:avLst/>
-          </a:prstGeom>
-        </p:spPr>
-        <p:txBody>
-          <a:bodyPr wrap="square">
-            <a:spAutoFit/>
-          </a:bodyPr>
-          <a:lstStyle/>
-          <a:p>
-            <a:r>
-              <a:rPr lang="en-US" sz="4000" b="1"/>
-              <a:t>What is Python?</a:t>
-            </a:r>
-            <a:endParaRPr lang="en-US" sz="2800" b="1"/>
-          </a:p>
-        </p:txBody>
-      </p:sp>
-      <p:sp>
-        <p:nvSpPr>
-          <p:cNvPr id="7" name="Rectangle 6"/>
-          <p:cNvSpPr/>
-          <p:nvPr/>
-        </p:nvSpPr>
-        <p:spPr>
-          <a:xfrm>
-            <a:off x="430763" y="1447800"/>
-            <a:ext cx="8305800" cy="1938992"/>
-          </a:xfrm>
-          <a:prstGeom prst="rect">
-            <a:avLst/>
-          </a:prstGeom>
-        </p:spPr>
-        <p:txBody>
-          <a:bodyPr wrap="square" anchor="t">
-            <a:spAutoFit/>
-          </a:bodyPr>
-          <a:lstStyle/>
-          <a:p>
-            <a:r>
-              <a:rPr lang="en-US" sz="2400"/>
-              <a:t>Python is an interpreted, high-level, general-purpose programming language. It was created by Guido van Rossum and released in 1991.</a:t>
-            </a:r>
-          </a:p>
-          <a:p>
-            <a:endParaRPr lang="en-US" sz="2400">
-              <a:cs typeface="Calibri"/>
-            </a:endParaRPr>
-          </a:p>
-          <a:p>
-            <a:endParaRPr lang="en-US" sz="2400">
-              <a:cs typeface="Calibri"/>
-            </a:endParaRPr>
-          </a:p>
-        </p:txBody>
-      </p:sp>
-      <p:pic>
-        <p:nvPicPr>
-          <p:cNvPr id="8" name="Picture 7" descr="A picture containing clipart&#10;&#10;Description automatically generated">
-            <a:extLst>
-              <a:ext uri="{FF2B5EF4-FFF2-40B4-BE49-F238E27FC236}">
-                <a16:creationId xmlns:a16="http://schemas.microsoft.com/office/drawing/2014/main" id="{801FEF21-A66F-4F37-9A84-5ED8050723E0}"/>
-              </a:ext>
-            </a:extLst>
-          </p:cNvPr>
-          <p:cNvPicPr>
-            <a:picLocks noChangeAspect="1"/>
-          </p:cNvPicPr>
-          <p:nvPr/>
-        </p:nvPicPr>
-        <p:blipFill>
-          <a:blip r:embed="rId3">
-            <a:extLst>
-              <a:ext uri="{28A0092B-C50C-407E-A947-70E740481C1C}">
-                <a14:useLocalDpi xmlns:a14="http://schemas.microsoft.com/office/drawing/2010/main" val="0"/>
-              </a:ext>
-            </a:extLst>
-          </a:blip>
-          <a:stretch>
-            <a:fillRect/>
-          </a:stretch>
-        </p:blipFill>
-        <p:spPr>
-          <a:xfrm>
-            <a:off x="3771900" y="3424989"/>
-            <a:ext cx="1676400" cy="1985211"/>
-          </a:xfrm>
-          <a:prstGeom prst="rect">
-            <a:avLst/>
-          </a:prstGeom>
-        </p:spPr>
-      </p:pic>
-    </p:spTree>
-    <p:extLst>
-      <p:ext uri="{BB962C8B-B14F-4D97-AF65-F5344CB8AC3E}">
-        <p14:creationId xmlns:p14="http://schemas.microsoft.com/office/powerpoint/2010/main" val="2360603957"/>
-      </p:ext>
-    </p:extLst>
-  </p:cSld>
-  <p:clrMapOvr>
-    <a:masterClrMapping/>
-  </p:clrMapOvr>
-  <mc:AlternateContent xmlns:mc="http://schemas.openxmlformats.org/markup-compatibility/2006" xmlns:p14="http://schemas.microsoft.com/office/powerpoint/2010/main">
-    <mc:Choice Requires="p14">
-      <p:transition spd="med" p14:dur="700">
-        <p:fade/>
-      </p:transition>
-    </mc:Choice>
-    <mc:Fallback xmlns="">
-      <p:transition spd="med">
-        <p:fade/>
-      </p:transition>
-    </mc:Fallback>
-  </mc:AlternateContent>
-</p:sld>
-</file>
-
-<file path=ppt/slides/slide30.xml><?xml version="1.0" encoding="utf-8"?>
-<p:sld xmlns:a="http://schemas.openxmlformats.org/drawingml/2006/main" xmlns:r="http://schemas.openxmlformats.org/officeDocument/2006/relationships" xmlns:p="http://schemas.openxmlformats.org/presentationml/2006/main">
-  <p:cSld>
-    <p:spTree>
-      <p:nvGrpSpPr>
-        <p:cNvPr id="1" name=""/>
-        <p:cNvGrpSpPr/>
-        <p:nvPr/>
-      </p:nvGrpSpPr>
-      <p:grpSpPr>
-        <a:xfrm>
-          <a:off x="0" y="0"/>
-          <a:ext cx="0" cy="0"/>
-          <a:chOff x="0" y="0"/>
-          <a:chExt cx="0" cy="0"/>
-        </a:xfrm>
-      </p:grpSpPr>
       <p:pic>
         <p:nvPicPr>
           <p:cNvPr id="16" name="Picture 15">
@@ -11225,7 +10676,7 @@
             <a:fld id="{B6F15528-21DE-4FAA-801E-634DDDAF4B2B}" type="slidenum">
               <a:rPr lang="en-US" sz="2400" smtClean="0"/>
               <a:pPr/>
-              <a:t>30</a:t>
+              <a:t>29</a:t>
             </a:fld>
             <a:endParaRPr lang="en-US" sz="2400"/>
           </a:p>
@@ -11662,7 +11113,7 @@
 </p:sld>
 </file>
 
-<file path=ppt/slides/slide31.xml><?xml version="1.0" encoding="utf-8"?>
+<file path=ppt/slides/slide3.xml><?xml version="1.0" encoding="utf-8"?>
 <p:sld xmlns:a="http://schemas.openxmlformats.org/drawingml/2006/main" xmlns:r="http://schemas.openxmlformats.org/officeDocument/2006/relationships" xmlns:p="http://schemas.openxmlformats.org/presentationml/2006/main">
   <p:cSld>
     <p:spTree>
@@ -11702,7 +11153,176 @@
             <a:fld id="{B6F15528-21DE-4FAA-801E-634DDDAF4B2B}" type="slidenum">
               <a:rPr lang="en-US" sz="2400" smtClean="0"/>
               <a:pPr/>
-              <a:t>31</a:t>
+              <a:t>3</a:t>
+            </a:fld>
+            <a:endParaRPr lang="en-US" sz="2400"/>
+          </a:p>
+        </p:txBody>
+      </p:sp>
+      <p:sp>
+        <p:nvSpPr>
+          <p:cNvPr id="19" name="Rectangle 18"/>
+          <p:cNvSpPr/>
+          <p:nvPr/>
+        </p:nvSpPr>
+        <p:spPr>
+          <a:xfrm>
+            <a:off x="457200" y="533400"/>
+            <a:ext cx="8305800" cy="707886"/>
+          </a:xfrm>
+          <a:prstGeom prst="rect">
+            <a:avLst/>
+          </a:prstGeom>
+        </p:spPr>
+        <p:txBody>
+          <a:bodyPr wrap="square">
+            <a:spAutoFit/>
+          </a:bodyPr>
+          <a:lstStyle/>
+          <a:p>
+            <a:r>
+              <a:rPr lang="en-US" sz="4000" b="1"/>
+              <a:t>Advantages of Python</a:t>
+            </a:r>
+            <a:endParaRPr lang="en-US" sz="2800" b="1"/>
+          </a:p>
+        </p:txBody>
+      </p:sp>
+      <p:sp>
+        <p:nvSpPr>
+          <p:cNvPr id="7" name="Rectangle 6"/>
+          <p:cNvSpPr/>
+          <p:nvPr/>
+        </p:nvSpPr>
+        <p:spPr>
+          <a:xfrm>
+            <a:off x="430763" y="1447800"/>
+            <a:ext cx="8305800" cy="1938992"/>
+          </a:xfrm>
+          <a:prstGeom prst="rect">
+            <a:avLst/>
+          </a:prstGeom>
+        </p:spPr>
+        <p:txBody>
+          <a:bodyPr wrap="square">
+            <a:spAutoFit/>
+          </a:bodyPr>
+          <a:lstStyle/>
+          <a:p>
+            <a:pPr marL="342900" indent="-342900">
+              <a:buFont typeface="Arial" panose="020B0604020202020204" pitchFamily="34" charset="0"/>
+              <a:buChar char="•"/>
+            </a:pPr>
+            <a:r>
+              <a:rPr lang="en-US" sz="2400" dirty="0"/>
+              <a:t>Easy to pick up</a:t>
+            </a:r>
+          </a:p>
+          <a:p>
+            <a:pPr marL="342900" indent="-342900">
+              <a:buFont typeface="Arial" panose="020B0604020202020204" pitchFamily="34" charset="0"/>
+              <a:buChar char="•"/>
+            </a:pPr>
+            <a:r>
+              <a:rPr lang="en-US" sz="2400" dirty="0"/>
+              <a:t>Readable code</a:t>
+            </a:r>
+          </a:p>
+          <a:p>
+            <a:pPr marL="342900" indent="-342900">
+              <a:buFont typeface="Arial" panose="020B0604020202020204" pitchFamily="34" charset="0"/>
+              <a:buChar char="•"/>
+            </a:pPr>
+            <a:r>
+              <a:rPr lang="en-US" sz="2400" dirty="0"/>
+              <a:t>Huge amount of open source libraries</a:t>
+            </a:r>
+          </a:p>
+          <a:p>
+            <a:pPr marL="342900" indent="-342900">
+              <a:buFont typeface="Arial" panose="020B0604020202020204" pitchFamily="34" charset="0"/>
+              <a:buChar char="•"/>
+            </a:pPr>
+            <a:r>
+              <a:rPr lang="en-US" sz="2400" dirty="0"/>
+              <a:t>Used by many major tech companies</a:t>
+            </a:r>
+          </a:p>
+          <a:p>
+            <a:pPr marL="342900" indent="-342900">
+              <a:buFont typeface="Arial" panose="020B0604020202020204" pitchFamily="34" charset="0"/>
+              <a:buChar char="•"/>
+            </a:pPr>
+            <a:endParaRPr lang="en-US" sz="2400" dirty="0"/>
+          </a:p>
+        </p:txBody>
+      </p:sp>
+    </p:spTree>
+    <p:extLst>
+      <p:ext uri="{BB962C8B-B14F-4D97-AF65-F5344CB8AC3E}">
+        <p14:creationId xmlns:p14="http://schemas.microsoft.com/office/powerpoint/2010/main" val="2212343503"/>
+      </p:ext>
+    </p:extLst>
+  </p:cSld>
+  <p:clrMapOvr>
+    <a:masterClrMapping/>
+  </p:clrMapOvr>
+  <mc:AlternateContent xmlns:mc="http://schemas.openxmlformats.org/markup-compatibility/2006" xmlns:p14="http://schemas.microsoft.com/office/powerpoint/2010/main">
+    <mc:Choice Requires="p14">
+      <p:transition spd="med" p14:dur="700">
+        <p:fade/>
+      </p:transition>
+    </mc:Choice>
+    <mc:Fallback xmlns="">
+      <p:transition spd="med">
+        <p:fade/>
+      </p:transition>
+    </mc:Fallback>
+  </mc:AlternateContent>
+</p:sld>
+</file>
+
+<file path=ppt/slides/slide30.xml><?xml version="1.0" encoding="utf-8"?>
+<p:sld xmlns:a="http://schemas.openxmlformats.org/drawingml/2006/main" xmlns:r="http://schemas.openxmlformats.org/officeDocument/2006/relationships" xmlns:p="http://schemas.openxmlformats.org/presentationml/2006/main">
+  <p:cSld>
+    <p:spTree>
+      <p:nvGrpSpPr>
+        <p:cNvPr id="1" name=""/>
+        <p:cNvGrpSpPr/>
+        <p:nvPr/>
+      </p:nvGrpSpPr>
+      <p:grpSpPr>
+        <a:xfrm>
+          <a:off x="0" y="0"/>
+          <a:ext cx="0" cy="0"/>
+          <a:chOff x="0" y="0"/>
+          <a:chExt cx="0" cy="0"/>
+        </a:xfrm>
+      </p:grpSpPr>
+      <p:sp>
+        <p:nvSpPr>
+          <p:cNvPr id="6" name="Slide Number Placeholder 8"/>
+          <p:cNvSpPr>
+            <a:spLocks noGrp="1"/>
+          </p:cNvSpPr>
+          <p:nvPr>
+            <p:ph type="sldNum" sz="quarter" idx="12"/>
+          </p:nvPr>
+        </p:nvSpPr>
+        <p:spPr>
+          <a:xfrm rot="16200000">
+            <a:off x="8496302" y="6362700"/>
+            <a:ext cx="609599" cy="381001"/>
+          </a:xfrm>
+        </p:spPr>
+        <p:txBody>
+          <a:bodyPr/>
+          <a:lstStyle/>
+          <a:p>
+            <a:fld id="{B6F15528-21DE-4FAA-801E-634DDDAF4B2B}" type="slidenum">
+              <a:rPr lang="en-US" sz="2400" smtClean="0"/>
+              <a:pPr/>
+              <a:t>30</a:t>
             </a:fld>
             <a:endParaRPr lang="en-US" sz="2400"/>
           </a:p>
@@ -11851,6 +11471,136 @@
     <p:extLst>
       <p:ext uri="{BB962C8B-B14F-4D97-AF65-F5344CB8AC3E}">
         <p14:creationId xmlns:p14="http://schemas.microsoft.com/office/powerpoint/2010/main" val="3675188552"/>
+      </p:ext>
+    </p:extLst>
+  </p:cSld>
+  <p:clrMapOvr>
+    <a:masterClrMapping/>
+  </p:clrMapOvr>
+  <mc:AlternateContent xmlns:mc="http://schemas.openxmlformats.org/markup-compatibility/2006" xmlns:p14="http://schemas.microsoft.com/office/powerpoint/2010/main">
+    <mc:Choice Requires="p14">
+      <p:transition spd="med" p14:dur="700">
+        <p:fade/>
+      </p:transition>
+    </mc:Choice>
+    <mc:Fallback xmlns="">
+      <p:transition spd="med">
+        <p:fade/>
+      </p:transition>
+    </mc:Fallback>
+  </mc:AlternateContent>
+</p:sld>
+</file>
+
+<file path=ppt/slides/slide31.xml><?xml version="1.0" encoding="utf-8"?>
+<p:sld xmlns:a="http://schemas.openxmlformats.org/drawingml/2006/main" xmlns:r="http://schemas.openxmlformats.org/officeDocument/2006/relationships" xmlns:p="http://schemas.openxmlformats.org/presentationml/2006/main">
+  <p:cSld>
+    <p:spTree>
+      <p:nvGrpSpPr>
+        <p:cNvPr id="1" name=""/>
+        <p:cNvGrpSpPr/>
+        <p:nvPr/>
+      </p:nvGrpSpPr>
+      <p:grpSpPr>
+        <a:xfrm>
+          <a:off x="0" y="0"/>
+          <a:ext cx="0" cy="0"/>
+          <a:chOff x="0" y="0"/>
+          <a:chExt cx="0" cy="0"/>
+        </a:xfrm>
+      </p:grpSpPr>
+      <p:sp>
+        <p:nvSpPr>
+          <p:cNvPr id="6" name="Slide Number Placeholder 8"/>
+          <p:cNvSpPr>
+            <a:spLocks noGrp="1"/>
+          </p:cNvSpPr>
+          <p:nvPr>
+            <p:ph type="sldNum" sz="quarter" idx="12"/>
+          </p:nvPr>
+        </p:nvSpPr>
+        <p:spPr>
+          <a:xfrm rot="16200000">
+            <a:off x="8496302" y="6362700"/>
+            <a:ext cx="609599" cy="381001"/>
+          </a:xfrm>
+        </p:spPr>
+        <p:txBody>
+          <a:bodyPr/>
+          <a:lstStyle/>
+          <a:p>
+            <a:fld id="{B6F15528-21DE-4FAA-801E-634DDDAF4B2B}" type="slidenum">
+              <a:rPr lang="en-US" sz="2400" smtClean="0"/>
+              <a:pPr/>
+              <a:t>31</a:t>
+            </a:fld>
+            <a:endParaRPr lang="en-US" sz="2400"/>
+          </a:p>
+        </p:txBody>
+      </p:sp>
+      <p:sp>
+        <p:nvSpPr>
+          <p:cNvPr id="19" name="Rectangle 18"/>
+          <p:cNvSpPr/>
+          <p:nvPr/>
+        </p:nvSpPr>
+        <p:spPr>
+          <a:xfrm>
+            <a:off x="457200" y="533400"/>
+            <a:ext cx="8305800" cy="707886"/>
+          </a:xfrm>
+          <a:prstGeom prst="rect">
+            <a:avLst/>
+          </a:prstGeom>
+        </p:spPr>
+        <p:txBody>
+          <a:bodyPr wrap="square">
+            <a:spAutoFit/>
+          </a:bodyPr>
+          <a:lstStyle/>
+          <a:p>
+            <a:r>
+              <a:rPr lang="en-US" sz="4000" b="1"/>
+              <a:t>Installation Process</a:t>
+            </a:r>
+            <a:endParaRPr lang="en-US" sz="2800" b="1"/>
+          </a:p>
+        </p:txBody>
+      </p:sp>
+      <p:pic>
+        <p:nvPicPr>
+          <p:cNvPr id="3" name="Picture 2">
+            <a:extLst>
+              <a:ext uri="{FF2B5EF4-FFF2-40B4-BE49-F238E27FC236}">
+                <a16:creationId xmlns:a16="http://schemas.microsoft.com/office/drawing/2014/main" id="{8CB2420D-6F45-4BB8-9A66-7351C2A64711}"/>
+              </a:ext>
+            </a:extLst>
+          </p:cNvPr>
+          <p:cNvPicPr>
+            <a:picLocks noChangeAspect="1"/>
+          </p:cNvPicPr>
+          <p:nvPr/>
+        </p:nvPicPr>
+        <p:blipFill>
+          <a:blip r:embed="rId3"/>
+          <a:stretch>
+            <a:fillRect/>
+          </a:stretch>
+        </p:blipFill>
+        <p:spPr>
+          <a:xfrm>
+            <a:off x="952500" y="1778883"/>
+            <a:ext cx="7315200" cy="3931920"/>
+          </a:xfrm>
+          <a:prstGeom prst="rect">
+            <a:avLst/>
+          </a:prstGeom>
+        </p:spPr>
+      </p:pic>
+    </p:spTree>
+    <p:extLst>
+      <p:ext uri="{BB962C8B-B14F-4D97-AF65-F5344CB8AC3E}">
+        <p14:creationId xmlns:p14="http://schemas.microsoft.com/office/powerpoint/2010/main" val="838467286"/>
       </p:ext>
     </p:extLst>
   </p:cSld>
@@ -11913,136 +11663,6 @@
               <a:rPr lang="en-US" sz="2400" smtClean="0"/>
               <a:pPr/>
               <a:t>32</a:t>
-            </a:fld>
-            <a:endParaRPr lang="en-US" sz="2400"/>
-          </a:p>
-        </p:txBody>
-      </p:sp>
-      <p:sp>
-        <p:nvSpPr>
-          <p:cNvPr id="19" name="Rectangle 18"/>
-          <p:cNvSpPr/>
-          <p:nvPr/>
-        </p:nvSpPr>
-        <p:spPr>
-          <a:xfrm>
-            <a:off x="457200" y="533400"/>
-            <a:ext cx="8305800" cy="707886"/>
-          </a:xfrm>
-          <a:prstGeom prst="rect">
-            <a:avLst/>
-          </a:prstGeom>
-        </p:spPr>
-        <p:txBody>
-          <a:bodyPr wrap="square">
-            <a:spAutoFit/>
-          </a:bodyPr>
-          <a:lstStyle/>
-          <a:p>
-            <a:r>
-              <a:rPr lang="en-US" sz="4000" b="1"/>
-              <a:t>Installation Process</a:t>
-            </a:r>
-            <a:endParaRPr lang="en-US" sz="2800" b="1"/>
-          </a:p>
-        </p:txBody>
-      </p:sp>
-      <p:pic>
-        <p:nvPicPr>
-          <p:cNvPr id="3" name="Picture 2">
-            <a:extLst>
-              <a:ext uri="{FF2B5EF4-FFF2-40B4-BE49-F238E27FC236}">
-                <a16:creationId xmlns:a16="http://schemas.microsoft.com/office/drawing/2014/main" id="{8CB2420D-6F45-4BB8-9A66-7351C2A64711}"/>
-              </a:ext>
-            </a:extLst>
-          </p:cNvPr>
-          <p:cNvPicPr>
-            <a:picLocks noChangeAspect="1"/>
-          </p:cNvPicPr>
-          <p:nvPr/>
-        </p:nvPicPr>
-        <p:blipFill>
-          <a:blip r:embed="rId3"/>
-          <a:stretch>
-            <a:fillRect/>
-          </a:stretch>
-        </p:blipFill>
-        <p:spPr>
-          <a:xfrm>
-            <a:off x="952500" y="1778883"/>
-            <a:ext cx="7315200" cy="3931920"/>
-          </a:xfrm>
-          <a:prstGeom prst="rect">
-            <a:avLst/>
-          </a:prstGeom>
-        </p:spPr>
-      </p:pic>
-    </p:spTree>
-    <p:extLst>
-      <p:ext uri="{BB962C8B-B14F-4D97-AF65-F5344CB8AC3E}">
-        <p14:creationId xmlns:p14="http://schemas.microsoft.com/office/powerpoint/2010/main" val="838467286"/>
-      </p:ext>
-    </p:extLst>
-  </p:cSld>
-  <p:clrMapOvr>
-    <a:masterClrMapping/>
-  </p:clrMapOvr>
-  <mc:AlternateContent xmlns:mc="http://schemas.openxmlformats.org/markup-compatibility/2006" xmlns:p14="http://schemas.microsoft.com/office/powerpoint/2010/main">
-    <mc:Choice Requires="p14">
-      <p:transition spd="med" p14:dur="700">
-        <p:fade/>
-      </p:transition>
-    </mc:Choice>
-    <mc:Fallback xmlns="">
-      <p:transition spd="med">
-        <p:fade/>
-      </p:transition>
-    </mc:Fallback>
-  </mc:AlternateContent>
-</p:sld>
-</file>
-
-<file path=ppt/slides/slide33.xml><?xml version="1.0" encoding="utf-8"?>
-<p:sld xmlns:a="http://schemas.openxmlformats.org/drawingml/2006/main" xmlns:r="http://schemas.openxmlformats.org/officeDocument/2006/relationships" xmlns:p="http://schemas.openxmlformats.org/presentationml/2006/main">
-  <p:cSld>
-    <p:spTree>
-      <p:nvGrpSpPr>
-        <p:cNvPr id="1" name=""/>
-        <p:cNvGrpSpPr/>
-        <p:nvPr/>
-      </p:nvGrpSpPr>
-      <p:grpSpPr>
-        <a:xfrm>
-          <a:off x="0" y="0"/>
-          <a:ext cx="0" cy="0"/>
-          <a:chOff x="0" y="0"/>
-          <a:chExt cx="0" cy="0"/>
-        </a:xfrm>
-      </p:grpSpPr>
-      <p:sp>
-        <p:nvSpPr>
-          <p:cNvPr id="6" name="Slide Number Placeholder 8"/>
-          <p:cNvSpPr>
-            <a:spLocks noGrp="1"/>
-          </p:cNvSpPr>
-          <p:nvPr>
-            <p:ph type="sldNum" sz="quarter" idx="12"/>
-          </p:nvPr>
-        </p:nvSpPr>
-        <p:spPr>
-          <a:xfrm rot="16200000">
-            <a:off x="8496302" y="6362700"/>
-            <a:ext cx="609599" cy="381001"/>
-          </a:xfrm>
-        </p:spPr>
-        <p:txBody>
-          <a:bodyPr/>
-          <a:lstStyle/>
-          <a:p>
-            <a:fld id="{B6F15528-21DE-4FAA-801E-634DDDAF4B2B}" type="slidenum">
-              <a:rPr lang="en-US" sz="2400" smtClean="0"/>
-              <a:pPr/>
-              <a:t>33</a:t>
             </a:fld>
             <a:endParaRPr lang="en-US" sz="2400"/>
           </a:p>
@@ -12207,7 +11827,7 @@
           <a:p>
             <a:r>
               <a:rPr lang="en-US" sz="4000" b="1"/>
-              <a:t>Advantages of Python</a:t>
+              <a:t>How to Run Python</a:t>
             </a:r>
             <a:endParaRPr lang="en-US" sz="2800" b="1"/>
           </a:p>
@@ -12222,7 +11842,7 @@
         <p:spPr>
           <a:xfrm>
             <a:off x="430763" y="1447800"/>
-            <a:ext cx="8305800" cy="1938992"/>
+            <a:ext cx="8305800" cy="1569660"/>
           </a:xfrm>
           <a:prstGeom prst="rect">
             <a:avLst/>
@@ -12240,52 +11860,45 @@
             </a:pPr>
             <a:r>
               <a:rPr lang="en-US" sz="2400" dirty="0"/>
-              <a:t>Easy to pick up</a:t>
-            </a:r>
-          </a:p>
-          <a:p>
-            <a:pPr marL="342900" indent="-342900">
-              <a:buFont typeface="Arial" panose="020B0604020202020204" pitchFamily="34" charset="0"/>
-              <a:buChar char="•"/>
+              <a:t>There are 3 Main types of development environments</a:t>
+            </a:r>
+          </a:p>
+          <a:p>
+            <a:pPr marL="800100" lvl="1" indent="-342900">
+              <a:buFont typeface="Wingdings" panose="05000000000000000000" pitchFamily="2" charset="2"/>
+              <a:buChar char="§"/>
             </a:pPr>
             <a:r>
               <a:rPr lang="en-US" sz="2400" dirty="0"/>
-              <a:t>Readable code</a:t>
-            </a:r>
-          </a:p>
-          <a:p>
-            <a:pPr marL="342900" indent="-342900">
-              <a:buFont typeface="Arial" panose="020B0604020202020204" pitchFamily="34" charset="0"/>
-              <a:buChar char="•"/>
+              <a:t>Text Editors</a:t>
+            </a:r>
+          </a:p>
+          <a:p>
+            <a:pPr marL="800100" lvl="1" indent="-342900">
+              <a:buFont typeface="Wingdings" panose="05000000000000000000" pitchFamily="2" charset="2"/>
+              <a:buChar char="§"/>
             </a:pPr>
             <a:r>
               <a:rPr lang="en-US" sz="2400" dirty="0"/>
-              <a:t>Huge amount of open source libraries</a:t>
-            </a:r>
-          </a:p>
-          <a:p>
-            <a:pPr marL="342900" indent="-342900">
-              <a:buFont typeface="Arial" panose="020B0604020202020204" pitchFamily="34" charset="0"/>
-              <a:buChar char="•"/>
+              <a:t>IDEs</a:t>
+            </a:r>
+          </a:p>
+          <a:p>
+            <a:pPr marL="800100" lvl="1" indent="-342900">
+              <a:buFont typeface="Wingdings" panose="05000000000000000000" pitchFamily="2" charset="2"/>
+              <a:buChar char="§"/>
             </a:pPr>
             <a:r>
               <a:rPr lang="en-US" sz="2400" dirty="0"/>
-              <a:t>Used by many major tech companies</a:t>
-            </a:r>
-          </a:p>
-          <a:p>
-            <a:pPr marL="342900" indent="-342900">
-              <a:buFont typeface="Arial" panose="020B0604020202020204" pitchFamily="34" charset="0"/>
-              <a:buChar char="•"/>
-            </a:pPr>
-            <a:endParaRPr lang="en-US" sz="2400" dirty="0"/>
+              <a:t>Notebook Environments</a:t>
+            </a:r>
           </a:p>
         </p:txBody>
       </p:sp>
     </p:spTree>
     <p:extLst>
       <p:ext uri="{BB962C8B-B14F-4D97-AF65-F5344CB8AC3E}">
-        <p14:creationId xmlns:p14="http://schemas.microsoft.com/office/powerpoint/2010/main" val="2212343503"/>
+        <p14:creationId xmlns:p14="http://schemas.microsoft.com/office/powerpoint/2010/main" val="1324004659"/>
       </p:ext>
     </p:extLst>
   </p:cSld>
@@ -12376,7 +11989,7 @@
           <a:p>
             <a:r>
               <a:rPr lang="en-US" sz="4000" b="1"/>
-              <a:t>How to Run Python</a:t>
+              <a:t>Text Editors</a:t>
             </a:r>
             <a:endParaRPr lang="en-US" sz="2800" b="1"/>
           </a:p>
@@ -12391,7 +12004,7 @@
         <p:spPr>
           <a:xfrm>
             <a:off x="430763" y="1447800"/>
-            <a:ext cx="8305800" cy="1569660"/>
+            <a:ext cx="8305800" cy="2308324"/>
           </a:xfrm>
           <a:prstGeom prst="rect">
             <a:avLst/>
@@ -12409,45 +12022,68 @@
             </a:pPr>
             <a:r>
               <a:rPr lang="en-US" sz="2400"/>
-              <a:t>There are 3 Main types of development environments</a:t>
-            </a:r>
-          </a:p>
-          <a:p>
-            <a:pPr marL="800100" lvl="1" indent="-342900">
+              <a:t>Works with variety of different file types</a:t>
+            </a:r>
+          </a:p>
+          <a:p>
+            <a:pPr marL="342900" indent="-342900">
               <a:buFont typeface="Arial" panose="020B0604020202020204" pitchFamily="34" charset="0"/>
               <a:buChar char="•"/>
             </a:pPr>
             <a:r>
               <a:rPr lang="en-US" sz="2400"/>
-              <a:t>Text Editors</a:t>
-            </a:r>
-          </a:p>
-          <a:p>
-            <a:pPr marL="800100" lvl="1" indent="-342900">
+              <a:t>Needs to be customized with plugins and add-ons</a:t>
+            </a:r>
+          </a:p>
+          <a:p>
+            <a:pPr marL="342900" indent="-342900">
               <a:buFont typeface="Arial" panose="020B0604020202020204" pitchFamily="34" charset="0"/>
               <a:buChar char="•"/>
             </a:pPr>
-            <a:r>
-              <a:rPr lang="en-US" sz="2400"/>
-              <a:t>IDEs</a:t>
-            </a:r>
-          </a:p>
-          <a:p>
-            <a:pPr marL="800100" lvl="1" indent="-342900">
+            <a:endParaRPr lang="en-US" sz="2400"/>
+          </a:p>
+          <a:p>
+            <a:pPr marL="342900" indent="-342900">
               <a:buFont typeface="Arial" panose="020B0604020202020204" pitchFamily="34" charset="0"/>
               <a:buChar char="•"/>
             </a:pPr>
             <a:r>
               <a:rPr lang="en-US" sz="2400"/>
-              <a:t>Notebook Environments</a:t>
-            </a:r>
+              <a:t>Most popular </a:t>
+            </a:r>
+          </a:p>
+          <a:p>
+            <a:pPr marL="800100" lvl="1" indent="-342900">
+              <a:buFont typeface="Wingdings" panose="05000000000000000000" pitchFamily="2" charset="2"/>
+              <a:buChar char="§"/>
+            </a:pPr>
+            <a:r>
+              <a:rPr lang="en-US" sz="2400">
+                <a:hlinkClick r:id="rId3"/>
+              </a:rPr>
+              <a:t>Atom</a:t>
+            </a:r>
+            <a:endParaRPr lang="en-US" sz="2400"/>
+          </a:p>
+          <a:p>
+            <a:pPr marL="800100" lvl="1" indent="-342900">
+              <a:buFont typeface="Wingdings" panose="05000000000000000000" pitchFamily="2" charset="2"/>
+              <a:buChar char="§"/>
+            </a:pPr>
+            <a:r>
+              <a:rPr lang="en-US" sz="2400">
+                <a:hlinkClick r:id="rId4"/>
+              </a:rPr>
+              <a:t>Sublime text</a:t>
+            </a:r>
+            <a:endParaRPr lang="en-US" sz="2400"/>
           </a:p>
         </p:txBody>
       </p:sp>
     </p:spTree>
     <p:extLst>
       <p:ext uri="{BB962C8B-B14F-4D97-AF65-F5344CB8AC3E}">
-        <p14:creationId xmlns:p14="http://schemas.microsoft.com/office/powerpoint/2010/main" val="1324004659"/>
+        <p14:creationId xmlns:p14="http://schemas.microsoft.com/office/powerpoint/2010/main" val="3341098590"/>
       </p:ext>
     </p:extLst>
   </p:cSld>
@@ -12538,7 +12174,7 @@
           <a:p>
             <a:r>
               <a:rPr lang="en-US" sz="4000" b="1"/>
-              <a:t>Text Editors</a:t>
+              <a:t>IDEs</a:t>
             </a:r>
             <a:endParaRPr lang="en-US" sz="2800" b="1"/>
           </a:p>
@@ -12570,8 +12206,8 @@
               <a:buChar char="•"/>
             </a:pPr>
             <a:r>
-              <a:rPr lang="en-US" sz="2400"/>
-              <a:t>Works with variety of different file types</a:t>
+              <a:rPr lang="en-US" sz="2400" dirty="0"/>
+              <a:t>Development Environment designed specifically for Python</a:t>
             </a:r>
           </a:p>
           <a:p>
@@ -12580,59 +12216,55 @@
               <a:buChar char="•"/>
             </a:pPr>
             <a:r>
-              <a:rPr lang="en-US" sz="2400"/>
-              <a:t>Needs to be customized with plugins and add-ons</a:t>
-            </a:r>
+              <a:rPr lang="en-US" sz="2400" dirty="0"/>
+              <a:t>Lots of extra functionality</a:t>
+            </a:r>
+          </a:p>
+          <a:p>
+            <a:endParaRPr lang="en-US" sz="2400" dirty="0"/>
           </a:p>
           <a:p>
             <a:pPr marL="342900" indent="-342900">
               <a:buFont typeface="Arial" panose="020B0604020202020204" pitchFamily="34" charset="0"/>
               <a:buChar char="•"/>
             </a:pPr>
-            <a:endParaRPr lang="en-US" sz="2400"/>
-          </a:p>
-          <a:p>
-            <a:pPr marL="342900" indent="-342900">
+            <a:r>
+              <a:rPr lang="en-US" sz="2400" dirty="0"/>
+              <a:t>Most popular </a:t>
+            </a:r>
+          </a:p>
+          <a:p>
+            <a:pPr marL="800100" lvl="1" indent="-342900">
               <a:buFont typeface="Arial" panose="020B0604020202020204" pitchFamily="34" charset="0"/>
               <a:buChar char="•"/>
             </a:pPr>
             <a:r>
-              <a:rPr lang="en-US" sz="2400"/>
-              <a:t>Most popular </a:t>
-            </a:r>
-          </a:p>
-          <a:p>
-            <a:pPr marL="800100" lvl="1" indent="-342900">
-              <a:buFont typeface="Wingdings" panose="05000000000000000000" pitchFamily="2" charset="2"/>
-              <a:buChar char="§"/>
-            </a:pPr>
-            <a:r>
-              <a:rPr lang="en-US" sz="2400">
+              <a:rPr lang="en-US" sz="2400" dirty="0">
                 <a:hlinkClick r:id="rId3"/>
               </a:rPr>
-              <a:t>Atom</a:t>
-            </a:r>
-            <a:endParaRPr lang="en-US" sz="2400"/>
+              <a:t>PyCharm</a:t>
+            </a:r>
+            <a:endParaRPr lang="en-US" sz="2400" dirty="0"/>
           </a:p>
           <a:p>
             <a:pPr marL="800100" lvl="1" indent="-342900">
-              <a:buFont typeface="Wingdings" panose="05000000000000000000" pitchFamily="2" charset="2"/>
-              <a:buChar char="§"/>
+              <a:buFont typeface="Arial" panose="020B0604020202020204" pitchFamily="34" charset="0"/>
+              <a:buChar char="•"/>
             </a:pPr>
             <a:r>
-              <a:rPr lang="en-US" sz="2400">
+              <a:rPr lang="en-US" sz="2400" dirty="0">
                 <a:hlinkClick r:id="rId4"/>
               </a:rPr>
-              <a:t>Sublime text</a:t>
-            </a:r>
-            <a:endParaRPr lang="en-US" sz="2400"/>
+              <a:t>Spyder</a:t>
+            </a:r>
+            <a:endParaRPr lang="en-US" sz="2400" dirty="0"/>
           </a:p>
         </p:txBody>
       </p:sp>
     </p:spTree>
     <p:extLst>
       <p:ext uri="{BB962C8B-B14F-4D97-AF65-F5344CB8AC3E}">
-        <p14:creationId xmlns:p14="http://schemas.microsoft.com/office/powerpoint/2010/main" val="3341098590"/>
+        <p14:creationId xmlns:p14="http://schemas.microsoft.com/office/powerpoint/2010/main" val="3182905609"/>
       </p:ext>
     </p:extLst>
   </p:cSld>
@@ -12723,7 +12355,7 @@
           <a:p>
             <a:r>
               <a:rPr lang="en-US" sz="4000" b="1"/>
-              <a:t>IDEs</a:t>
+              <a:t>Notebook Environments</a:t>
             </a:r>
             <a:endParaRPr lang="en-US" sz="2800" b="1"/>
           </a:p>
@@ -12738,7 +12370,7 @@
         <p:spPr>
           <a:xfrm>
             <a:off x="430763" y="1447800"/>
-            <a:ext cx="8305800" cy="2308324"/>
+            <a:ext cx="8305800" cy="2677656"/>
           </a:xfrm>
           <a:prstGeom prst="rect">
             <a:avLst/>
@@ -12755,8 +12387,8 @@
               <a:buChar char="•"/>
             </a:pPr>
             <a:r>
-              <a:rPr lang="en-US" sz="2400" dirty="0"/>
-              <a:t>Development Environment designed specifically for Python</a:t>
+              <a:rPr lang="en-US" sz="2400"/>
+              <a:t>Seeing input and output next to each other</a:t>
             </a:r>
           </a:p>
           <a:p>
@@ -12765,12 +12397,9 @@
               <a:buChar char="•"/>
             </a:pPr>
             <a:r>
-              <a:rPr lang="en-US" sz="2400" dirty="0"/>
-              <a:t>Lots of extra functionality</a:t>
-            </a:r>
-          </a:p>
-          <a:p>
-            <a:endParaRPr lang="en-US" sz="2400" dirty="0"/>
+              <a:rPr lang="en-US" sz="2400"/>
+              <a:t>Excels at demonstration, research, and teaching objectives especially for science</a:t>
+            </a:r>
           </a:p>
           <a:p>
             <a:pPr marL="342900" indent="-342900">
@@ -12778,42 +12407,47 @@
               <a:buChar char="•"/>
             </a:pPr>
             <a:r>
-              <a:rPr lang="en-US" sz="2400" dirty="0"/>
-              <a:t>Most popular </a:t>
-            </a:r>
-          </a:p>
-          <a:p>
-            <a:pPr marL="800100" lvl="1" indent="-342900">
+              <a:rPr lang="en-US" sz="2400"/>
+              <a:t>Great for Learning</a:t>
+            </a:r>
+          </a:p>
+          <a:p>
+            <a:pPr marL="342900" indent="-342900">
               <a:buFont typeface="Arial" panose="020B0604020202020204" pitchFamily="34" charset="0"/>
               <a:buChar char="•"/>
             </a:pPr>
-            <a:r>
-              <a:rPr lang="en-US" sz="2400" dirty="0">
-                <a:hlinkClick r:id="rId3"/>
-              </a:rPr>
-              <a:t>PyCharm</a:t>
-            </a:r>
-            <a:endParaRPr lang="en-US" sz="2400" dirty="0"/>
-          </a:p>
-          <a:p>
-            <a:pPr marL="800100" lvl="1" indent="-342900">
+            <a:endParaRPr lang="en-US" sz="2400"/>
+          </a:p>
+          <a:p>
+            <a:pPr marL="342900" indent="-342900">
               <a:buFont typeface="Arial" panose="020B0604020202020204" pitchFamily="34" charset="0"/>
               <a:buChar char="•"/>
             </a:pPr>
             <a:r>
-              <a:rPr lang="en-US" sz="2400" dirty="0">
-                <a:hlinkClick r:id="rId4"/>
-              </a:rPr>
-              <a:t>Spyder</a:t>
-            </a:r>
-            <a:endParaRPr lang="en-US" sz="2400" dirty="0"/>
+              <a:rPr lang="en-US" sz="2400"/>
+              <a:t>Most popular </a:t>
+            </a:r>
+          </a:p>
+          <a:p>
+            <a:pPr marL="800100" lvl="1" indent="-342900">
+              <a:buFont typeface="Wingdings" panose="05000000000000000000" pitchFamily="2" charset="2"/>
+              <a:buChar char="§"/>
+            </a:pPr>
+            <a:r>
+              <a:rPr lang="en-US" sz="2400" err="1"/>
+              <a:t>Jupyter</a:t>
+            </a:r>
+            <a:r>
+              <a:rPr lang="en-US" sz="2400"/>
+              <a:t> Notebook</a:t>
+            </a:r>
           </a:p>
         </p:txBody>
       </p:sp>
     </p:spTree>
     <p:extLst>
       <p:ext uri="{BB962C8B-B14F-4D97-AF65-F5344CB8AC3E}">
-        <p14:creationId xmlns:p14="http://schemas.microsoft.com/office/powerpoint/2010/main" val="3182905609"/>
+        <p14:creationId xmlns:p14="http://schemas.microsoft.com/office/powerpoint/2010/main" val="1108007526"/>
       </p:ext>
     </p:extLst>
   </p:cSld>
@@ -12876,189 +12510,6 @@
               <a:rPr lang="en-US" sz="2400" smtClean="0"/>
               <a:pPr/>
               <a:t>8</a:t>
-            </a:fld>
-            <a:endParaRPr lang="en-US" sz="2400"/>
-          </a:p>
-        </p:txBody>
-      </p:sp>
-      <p:sp>
-        <p:nvSpPr>
-          <p:cNvPr id="19" name="Rectangle 18"/>
-          <p:cNvSpPr/>
-          <p:nvPr/>
-        </p:nvSpPr>
-        <p:spPr>
-          <a:xfrm>
-            <a:off x="457200" y="533400"/>
-            <a:ext cx="8305800" cy="707886"/>
-          </a:xfrm>
-          <a:prstGeom prst="rect">
-            <a:avLst/>
-          </a:prstGeom>
-        </p:spPr>
-        <p:txBody>
-          <a:bodyPr wrap="square">
-            <a:spAutoFit/>
-          </a:bodyPr>
-          <a:lstStyle/>
-          <a:p>
-            <a:r>
-              <a:rPr lang="en-US" sz="4000" b="1"/>
-              <a:t>Notebook Environments</a:t>
-            </a:r>
-            <a:endParaRPr lang="en-US" sz="2800" b="1"/>
-          </a:p>
-        </p:txBody>
-      </p:sp>
-      <p:sp>
-        <p:nvSpPr>
-          <p:cNvPr id="7" name="Rectangle 6"/>
-          <p:cNvSpPr/>
-          <p:nvPr/>
-        </p:nvSpPr>
-        <p:spPr>
-          <a:xfrm>
-            <a:off x="430763" y="1447800"/>
-            <a:ext cx="8305800" cy="2677656"/>
-          </a:xfrm>
-          <a:prstGeom prst="rect">
-            <a:avLst/>
-          </a:prstGeom>
-        </p:spPr>
-        <p:txBody>
-          <a:bodyPr wrap="square">
-            <a:spAutoFit/>
-          </a:bodyPr>
-          <a:lstStyle/>
-          <a:p>
-            <a:pPr marL="342900" indent="-342900">
-              <a:buFont typeface="Arial" panose="020B0604020202020204" pitchFamily="34" charset="0"/>
-              <a:buChar char="•"/>
-            </a:pPr>
-            <a:r>
-              <a:rPr lang="en-US" sz="2400"/>
-              <a:t>Seeing input and output next to each other</a:t>
-            </a:r>
-          </a:p>
-          <a:p>
-            <a:pPr marL="342900" indent="-342900">
-              <a:buFont typeface="Arial" panose="020B0604020202020204" pitchFamily="34" charset="0"/>
-              <a:buChar char="•"/>
-            </a:pPr>
-            <a:r>
-              <a:rPr lang="en-US" sz="2400"/>
-              <a:t>Excels at demonstration, research, and teaching objectives especially for science</a:t>
-            </a:r>
-          </a:p>
-          <a:p>
-            <a:pPr marL="342900" indent="-342900">
-              <a:buFont typeface="Arial" panose="020B0604020202020204" pitchFamily="34" charset="0"/>
-              <a:buChar char="•"/>
-            </a:pPr>
-            <a:r>
-              <a:rPr lang="en-US" sz="2400"/>
-              <a:t>Great for Learning</a:t>
-            </a:r>
-          </a:p>
-          <a:p>
-            <a:pPr marL="342900" indent="-342900">
-              <a:buFont typeface="Arial" panose="020B0604020202020204" pitchFamily="34" charset="0"/>
-              <a:buChar char="•"/>
-            </a:pPr>
-            <a:endParaRPr lang="en-US" sz="2400"/>
-          </a:p>
-          <a:p>
-            <a:pPr marL="342900" indent="-342900">
-              <a:buFont typeface="Arial" panose="020B0604020202020204" pitchFamily="34" charset="0"/>
-              <a:buChar char="•"/>
-            </a:pPr>
-            <a:r>
-              <a:rPr lang="en-US" sz="2400"/>
-              <a:t>Most popular </a:t>
-            </a:r>
-          </a:p>
-          <a:p>
-            <a:pPr marL="800100" lvl="1" indent="-342900">
-              <a:buFont typeface="Wingdings" panose="05000000000000000000" pitchFamily="2" charset="2"/>
-              <a:buChar char="§"/>
-            </a:pPr>
-            <a:r>
-              <a:rPr lang="en-US" sz="2400" err="1"/>
-              <a:t>Jupyter</a:t>
-            </a:r>
-            <a:r>
-              <a:rPr lang="en-US" sz="2400"/>
-              <a:t> Notebook</a:t>
-            </a:r>
-          </a:p>
-        </p:txBody>
-      </p:sp>
-    </p:spTree>
-    <p:extLst>
-      <p:ext uri="{BB962C8B-B14F-4D97-AF65-F5344CB8AC3E}">
-        <p14:creationId xmlns:p14="http://schemas.microsoft.com/office/powerpoint/2010/main" val="1108007526"/>
-      </p:ext>
-    </p:extLst>
-  </p:cSld>
-  <p:clrMapOvr>
-    <a:masterClrMapping/>
-  </p:clrMapOvr>
-  <mc:AlternateContent xmlns:mc="http://schemas.openxmlformats.org/markup-compatibility/2006" xmlns:p14="http://schemas.microsoft.com/office/powerpoint/2010/main">
-    <mc:Choice Requires="p14">
-      <p:transition spd="med" p14:dur="700">
-        <p:fade/>
-      </p:transition>
-    </mc:Choice>
-    <mc:Fallback xmlns="">
-      <p:transition spd="med">
-        <p:fade/>
-      </p:transition>
-    </mc:Fallback>
-  </mc:AlternateContent>
-</p:sld>
-</file>
-
-<file path=ppt/slides/slide9.xml><?xml version="1.0" encoding="utf-8"?>
-<p:sld xmlns:a="http://schemas.openxmlformats.org/drawingml/2006/main" xmlns:r="http://schemas.openxmlformats.org/officeDocument/2006/relationships" xmlns:p="http://schemas.openxmlformats.org/presentationml/2006/main">
-  <p:cSld>
-    <p:spTree>
-      <p:nvGrpSpPr>
-        <p:cNvPr id="1" name=""/>
-        <p:cNvGrpSpPr/>
-        <p:nvPr/>
-      </p:nvGrpSpPr>
-      <p:grpSpPr>
-        <a:xfrm>
-          <a:off x="0" y="0"/>
-          <a:ext cx="0" cy="0"/>
-          <a:chOff x="0" y="0"/>
-          <a:chExt cx="0" cy="0"/>
-        </a:xfrm>
-      </p:grpSpPr>
-      <p:sp>
-        <p:nvSpPr>
-          <p:cNvPr id="6" name="Slide Number Placeholder 8"/>
-          <p:cNvSpPr>
-            <a:spLocks noGrp="1"/>
-          </p:cNvSpPr>
-          <p:nvPr>
-            <p:ph type="sldNum" sz="quarter" idx="12"/>
-          </p:nvPr>
-        </p:nvSpPr>
-        <p:spPr>
-          <a:xfrm rot="16200000">
-            <a:off x="8496302" y="6362700"/>
-            <a:ext cx="609599" cy="381001"/>
-          </a:xfrm>
-        </p:spPr>
-        <p:txBody>
-          <a:bodyPr/>
-          <a:lstStyle/>
-          <a:p>
-            <a:fld id="{B6F15528-21DE-4FAA-801E-634DDDAF4B2B}" type="slidenum">
-              <a:rPr lang="en-US" sz="2400" smtClean="0"/>
-              <a:pPr/>
-              <a:t>9</a:t>
             </a:fld>
             <a:endParaRPr lang="en-US" sz="2400"/>
           </a:p>
@@ -13321,6 +12772,202 @@
     <p:extLst>
       <p:ext uri="{BB962C8B-B14F-4D97-AF65-F5344CB8AC3E}">
         <p14:creationId xmlns:p14="http://schemas.microsoft.com/office/powerpoint/2010/main" val="3709026025"/>
+      </p:ext>
+    </p:extLst>
+  </p:cSld>
+  <p:clrMapOvr>
+    <a:masterClrMapping/>
+  </p:clrMapOvr>
+  <mc:AlternateContent xmlns:mc="http://schemas.openxmlformats.org/markup-compatibility/2006" xmlns:p14="http://schemas.microsoft.com/office/powerpoint/2010/main">
+    <mc:Choice Requires="p14">
+      <p:transition spd="med" p14:dur="700">
+        <p:fade/>
+      </p:transition>
+    </mc:Choice>
+    <mc:Fallback xmlns="">
+      <p:transition spd="med">
+        <p:fade/>
+      </p:transition>
+    </mc:Fallback>
+  </mc:AlternateContent>
+</p:sld>
+</file>
+
+<file path=ppt/slides/slide9.xml><?xml version="1.0" encoding="utf-8"?>
+<p:sld xmlns:a="http://schemas.openxmlformats.org/drawingml/2006/main" xmlns:r="http://schemas.openxmlformats.org/officeDocument/2006/relationships" xmlns:p="http://schemas.openxmlformats.org/presentationml/2006/main">
+  <p:cSld>
+    <p:spTree>
+      <p:nvGrpSpPr>
+        <p:cNvPr id="1" name=""/>
+        <p:cNvGrpSpPr/>
+        <p:nvPr/>
+      </p:nvGrpSpPr>
+      <p:grpSpPr>
+        <a:xfrm>
+          <a:off x="0" y="0"/>
+          <a:ext cx="0" cy="0"/>
+          <a:chOff x="0" y="0"/>
+          <a:chExt cx="0" cy="0"/>
+        </a:xfrm>
+      </p:grpSpPr>
+      <p:sp>
+        <p:nvSpPr>
+          <p:cNvPr id="6" name="Slide Number Placeholder 8"/>
+          <p:cNvSpPr>
+            <a:spLocks noGrp="1"/>
+          </p:cNvSpPr>
+          <p:nvPr>
+            <p:ph type="sldNum" sz="quarter" idx="12"/>
+          </p:nvPr>
+        </p:nvSpPr>
+        <p:spPr>
+          <a:xfrm rot="16200000">
+            <a:off x="8496302" y="6362700"/>
+            <a:ext cx="609599" cy="381001"/>
+          </a:xfrm>
+        </p:spPr>
+        <p:txBody>
+          <a:bodyPr/>
+          <a:lstStyle/>
+          <a:p>
+            <a:fld id="{B6F15528-21DE-4FAA-801E-634DDDAF4B2B}" type="slidenum">
+              <a:rPr lang="en-US" sz="2400" smtClean="0"/>
+              <a:pPr/>
+              <a:t>9</a:t>
+            </a:fld>
+            <a:endParaRPr lang="en-US" sz="2400"/>
+          </a:p>
+        </p:txBody>
+      </p:sp>
+      <p:sp>
+        <p:nvSpPr>
+          <p:cNvPr id="19" name="Rectangle 18"/>
+          <p:cNvSpPr/>
+          <p:nvPr/>
+        </p:nvSpPr>
+        <p:spPr>
+          <a:xfrm>
+            <a:off x="457200" y="533400"/>
+            <a:ext cx="8305800" cy="707886"/>
+          </a:xfrm>
+          <a:prstGeom prst="rect">
+            <a:avLst/>
+          </a:prstGeom>
+        </p:spPr>
+        <p:txBody>
+          <a:bodyPr wrap="square">
+            <a:spAutoFit/>
+          </a:bodyPr>
+          <a:lstStyle/>
+          <a:p>
+            <a:r>
+              <a:rPr lang="en-US" sz="4000" b="1"/>
+              <a:t>Anaconda Navigator </a:t>
+            </a:r>
+            <a:r>
+              <a:rPr lang="en-US" sz="4000" b="1">
+                <a:sym typeface="Wingdings" panose="05000000000000000000" pitchFamily="2" charset="2"/>
+              </a:rPr>
+              <a:t></a:t>
+            </a:r>
+            <a:r>
+              <a:rPr lang="en-US" sz="4000" b="1"/>
+              <a:t> </a:t>
+            </a:r>
+            <a:r>
+              <a:rPr lang="en-US" sz="4000" b="1" err="1"/>
+              <a:t>Jupyter</a:t>
+            </a:r>
+            <a:endParaRPr lang="en-US" sz="2800" b="1"/>
+          </a:p>
+        </p:txBody>
+      </p:sp>
+      <p:pic>
+        <p:nvPicPr>
+          <p:cNvPr id="4" name="Picture 3" descr="A screenshot of a cell phone&#10;&#10;Description automatically generated">
+            <a:extLst>
+              <a:ext uri="{FF2B5EF4-FFF2-40B4-BE49-F238E27FC236}">
+                <a16:creationId xmlns:a16="http://schemas.microsoft.com/office/drawing/2014/main" id="{F179FACB-887E-4519-9EE6-CBCF0552A919}"/>
+              </a:ext>
+            </a:extLst>
+          </p:cNvPr>
+          <p:cNvPicPr>
+            <a:picLocks noChangeAspect="1"/>
+          </p:cNvPicPr>
+          <p:nvPr/>
+        </p:nvPicPr>
+        <p:blipFill>
+          <a:blip r:embed="rId3">
+            <a:extLst>
+              <a:ext uri="{28A0092B-C50C-407E-A947-70E740481C1C}">
+                <a14:useLocalDpi xmlns:a14="http://schemas.microsoft.com/office/drawing/2010/main" val="0"/>
+              </a:ext>
+            </a:extLst>
+          </a:blip>
+          <a:stretch>
+            <a:fillRect/>
+          </a:stretch>
+        </p:blipFill>
+        <p:spPr>
+          <a:xfrm>
+            <a:off x="550372" y="1613932"/>
+            <a:ext cx="8119455" cy="4261822"/>
+          </a:xfrm>
+          <a:prstGeom prst="rect">
+            <a:avLst/>
+          </a:prstGeom>
+        </p:spPr>
+      </p:pic>
+      <p:sp>
+        <p:nvSpPr>
+          <p:cNvPr id="5" name="Arrow: Right 4">
+            <a:extLst>
+              <a:ext uri="{FF2B5EF4-FFF2-40B4-BE49-F238E27FC236}">
+                <a16:creationId xmlns:a16="http://schemas.microsoft.com/office/drawing/2014/main" id="{B504DDAF-D1EC-4011-A7A8-02982900BD44}"/>
+              </a:ext>
+            </a:extLst>
+          </p:cNvPr>
+          <p:cNvSpPr/>
+          <p:nvPr/>
+        </p:nvSpPr>
+        <p:spPr>
+          <a:xfrm>
+            <a:off x="3609975" y="3952875"/>
+            <a:ext cx="381000" cy="584200"/>
+          </a:xfrm>
+          <a:prstGeom prst="rightArrow">
+            <a:avLst/>
+          </a:prstGeom>
+        </p:spPr>
+        <p:style>
+          <a:lnRef idx="2">
+            <a:schemeClr val="accent6">
+              <a:shade val="50000"/>
+            </a:schemeClr>
+          </a:lnRef>
+          <a:fillRef idx="1">
+            <a:schemeClr val="accent6"/>
+          </a:fillRef>
+          <a:effectRef idx="0">
+            <a:schemeClr val="accent6"/>
+          </a:effectRef>
+          <a:fontRef idx="minor">
+            <a:schemeClr val="lt1"/>
+          </a:fontRef>
+        </p:style>
+        <p:txBody>
+          <a:bodyPr rtlCol="0" anchor="ctr"/>
+          <a:lstStyle/>
+          <a:p>
+            <a:pPr algn="ctr"/>
+            <a:endParaRPr lang="en-US" sz="1600"/>
+          </a:p>
+        </p:txBody>
+      </p:sp>
+    </p:spTree>
+    <p:extLst>
+      <p:ext uri="{BB962C8B-B14F-4D97-AF65-F5344CB8AC3E}">
+        <p14:creationId xmlns:p14="http://schemas.microsoft.com/office/powerpoint/2010/main" val="3626300101"/>
       </p:ext>
     </p:extLst>
   </p:cSld>
